--- a/lectures/p-02-tests-for-cf-validity.pptx
+++ b/lectures/p-02-tests-for-cf-validity.pptx
@@ -1153,13 +1153,6 @@
         </dgm:presLayoutVars>
       </dgm:prSet>
       <dgm:spPr/>
-      <dgm:t>
-        <a:bodyPr/>
-        <a:lstStyle/>
-        <a:p>
-          <a:endParaRPr lang="en-US"/>
-        </a:p>
-      </dgm:t>
     </dgm:pt>
     <dgm:pt modelId="{B2EA3FCD-F985-47A1-84E0-B5ABB23176D2}" type="pres">
       <dgm:prSet presAssocID="{CD03223D-C8B0-4307-9602-3BB7DB0844E0}" presName="compNode" presStyleCnt="0"/>
@@ -1190,13 +1183,6 @@
           <a:noFill/>
         </a:ln>
       </dgm:spPr>
-      <dgm:t>
-        <a:bodyPr/>
-        <a:lstStyle/>
-        <a:p>
-          <a:endParaRPr lang="en-US"/>
-        </a:p>
-      </dgm:t>
     </dgm:pt>
     <dgm:pt modelId="{FE5E1B63-0B11-47F2-B10E-69147744F4D7}" type="pres">
       <dgm:prSet presAssocID="{CD03223D-C8B0-4307-9602-3BB7DB0844E0}" presName="iconRect" presStyleLbl="node1" presStyleIdx="0" presStyleCnt="3"/>
@@ -1205,7 +1191,7 @@
           <a:blip xmlns:r="http://schemas.openxmlformats.org/officeDocument/2006/relationships" r:embed="rId1">
             <a:extLst>
               <a:ext uri="{96DAC541-7B7A-43D3-8B79-37D633B846F1}">
-                <asvg:svgBlip xmlns="" xmlns:asvg="http://schemas.microsoft.com/office/drawing/2016/SVG/main" r:embed="rId2"/>
+                <asvg:svgBlip xmlns:asvg="http://schemas.microsoft.com/office/drawing/2016/SVG/main" r:embed="rId2"/>
               </a:ext>
             </a:extLst>
           </a:blip>
@@ -1236,13 +1222,6 @@
         </dgm:presLayoutVars>
       </dgm:prSet>
       <dgm:spPr/>
-      <dgm:t>
-        <a:bodyPr/>
-        <a:lstStyle/>
-        <a:p>
-          <a:endParaRPr lang="en-US"/>
-        </a:p>
-      </dgm:t>
     </dgm:pt>
     <dgm:pt modelId="{3550D20A-D1EB-4B41-9F15-6B8718060C6B}" type="pres">
       <dgm:prSet presAssocID="{53913610-3542-404F-A39A-AD34DD09BF73}" presName="sibTrans" presStyleCnt="0"/>
@@ -1277,13 +1256,6 @@
           <a:noFill/>
         </a:ln>
       </dgm:spPr>
-      <dgm:t>
-        <a:bodyPr/>
-        <a:lstStyle/>
-        <a:p>
-          <a:endParaRPr lang="en-US"/>
-        </a:p>
-      </dgm:t>
     </dgm:pt>
     <dgm:pt modelId="{7251D6BF-82D1-4BF4-921F-37AB34CAED65}" type="pres">
       <dgm:prSet presAssocID="{34219FAB-9FD1-4405-861D-B34C3309D9A3}" presName="iconRect" presStyleLbl="node1" presStyleIdx="1" presStyleCnt="3"/>
@@ -1295,7 +1267,7 @@
                 <a14:useLocalDpi xmlns:a14="http://schemas.microsoft.com/office/drawing/2010/main" val="0"/>
               </a:ext>
               <a:ext uri="{96DAC541-7B7A-43D3-8B79-37D633B846F1}">
-                <asvg:svgBlip xmlns="" xmlns:asvg="http://schemas.microsoft.com/office/drawing/2016/SVG/main" r:embed="rId4"/>
+                <asvg:svgBlip xmlns:asvg="http://schemas.microsoft.com/office/drawing/2016/SVG/main" r:embed="rId4"/>
               </a:ext>
             </a:extLst>
           </a:blip>
@@ -1307,13 +1279,6 @@
           <a:noFill/>
         </a:ln>
       </dgm:spPr>
-      <dgm:t>
-        <a:bodyPr/>
-        <a:lstStyle/>
-        <a:p>
-          <a:endParaRPr lang="en-US"/>
-        </a:p>
-      </dgm:t>
       <dgm:extLst>
         <a:ext uri="{E40237B7-FDA0-4F09-8148-C483321AD2D9}">
           <dgm14:cNvPr xmlns:dgm14="http://schemas.microsoft.com/office/drawing/2010/diagram" id="0" name="" descr="Checkmark"/>
@@ -1332,26 +1297,12 @@
         </dgm:presLayoutVars>
       </dgm:prSet>
       <dgm:spPr/>
-      <dgm:t>
-        <a:bodyPr/>
-        <a:lstStyle/>
-        <a:p>
-          <a:endParaRPr lang="en-US"/>
-        </a:p>
-      </dgm:t>
     </dgm:pt>
     <dgm:pt modelId="{443688BC-B612-4755-85FC-C352DF038CFB}" type="pres">
       <dgm:prSet presAssocID="{34219FAB-9FD1-4405-861D-B34C3309D9A3}" presName="desTx" presStyleLbl="revTx" presStyleIdx="2" presStyleCnt="4">
         <dgm:presLayoutVars/>
       </dgm:prSet>
       <dgm:spPr/>
-      <dgm:t>
-        <a:bodyPr/>
-        <a:lstStyle/>
-        <a:p>
-          <a:endParaRPr lang="en-US"/>
-        </a:p>
-      </dgm:t>
     </dgm:pt>
     <dgm:pt modelId="{4807DCDB-4092-400C-B432-39C108C6021B}" type="pres">
       <dgm:prSet presAssocID="{5581B19B-A242-4923-8AF3-CDBF67064340}" presName="sibTrans" presStyleCnt="0"/>
@@ -1386,22 +1337,15 @@
           <a:noFill/>
         </a:ln>
       </dgm:spPr>
-      <dgm:t>
-        <a:bodyPr/>
-        <a:lstStyle/>
-        <a:p>
-          <a:endParaRPr lang="en-US"/>
-        </a:p>
-      </dgm:t>
     </dgm:pt>
     <dgm:pt modelId="{BE9ECA56-884D-4B2F-8BD8-CA7F4922252A}" type="pres">
       <dgm:prSet presAssocID="{8B2DFA9F-2EBE-4C0F-B998-53A008BCC82B}" presName="iconRect" presStyleLbl="node1" presStyleIdx="2" presStyleCnt="3"/>
       <dgm:spPr>
         <a:blipFill>
-          <a:blip xmlns:r="http://schemas.openxmlformats.org/officeDocument/2006/relationships" r:embed="rId5">
+          <a:blip xmlns:r="http://schemas.openxmlformats.org/officeDocument/2006/relationships" r:embed="rId3">
             <a:extLst>
               <a:ext uri="{96DAC541-7B7A-43D3-8B79-37D633B846F1}">
-                <asvg:svgBlip xmlns="" xmlns:asvg="http://schemas.microsoft.com/office/drawing/2016/SVG/main" r:embed="rId4"/>
+                <asvg:svgBlip xmlns:asvg="http://schemas.microsoft.com/office/drawing/2016/SVG/main" r:embed="rId4"/>
               </a:ext>
             </a:extLst>
           </a:blip>
@@ -1432,27 +1376,20 @@
         </dgm:presLayoutVars>
       </dgm:prSet>
       <dgm:spPr/>
-      <dgm:t>
-        <a:bodyPr/>
-        <a:lstStyle/>
-        <a:p>
-          <a:endParaRPr lang="en-US"/>
-        </a:p>
-      </dgm:t>
     </dgm:pt>
   </dgm:ptLst>
   <dgm:cxnLst>
+    <dgm:cxn modelId="{ECF98F09-5678-4611-AE46-3221A8D0C8B9}" type="presOf" srcId="{8B2DFA9F-2EBE-4C0F-B998-53A008BCC82B}" destId="{17EB314A-5A9A-4C42-BA80-A5A95AF31231}" srcOrd="0" destOrd="0" presId="urn:microsoft.com/office/officeart/2018/2/layout/IconVerticalSolidList"/>
+    <dgm:cxn modelId="{FECACD13-4A8A-411E-BB1E-6196E2021688}" type="presOf" srcId="{CD03223D-C8B0-4307-9602-3BB7DB0844E0}" destId="{9FDBE5B0-49CD-4677-9815-2EAD729FF7CA}" srcOrd="0" destOrd="0" presId="urn:microsoft.com/office/officeart/2018/2/layout/IconVerticalSolidList"/>
+    <dgm:cxn modelId="{C1C0693B-0659-4A92-85D9-B99CDBFF54C8}" srcId="{9ECF8FEF-4FC1-4305-A898-EF94A4A93F84}" destId="{8B2DFA9F-2EBE-4C0F-B998-53A008BCC82B}" srcOrd="2" destOrd="0" parTransId="{20E47FE8-756A-47C7-80F5-4BBA19D82BB8}" sibTransId="{863C8E72-6BC6-43F1-A7BA-325A2A1FE4A9}"/>
+    <dgm:cxn modelId="{57C33361-9436-4457-A3CB-520E264D9F75}" srcId="{34219FAB-9FD1-4405-861D-B34C3309D9A3}" destId="{9D2349D6-2977-44F0-BABF-B12F7119C29F}" srcOrd="0" destOrd="0" parTransId="{56667F4F-A718-43D9-8987-B9A3F7B750A5}" sibTransId="{12FACB6C-C495-4941-AB14-BF8827F36F5D}"/>
+    <dgm:cxn modelId="{13B1814A-92EB-4A3D-91F8-05A0D5BF0FF4}" type="presOf" srcId="{637B9BD7-AF4E-4696-8464-FE3A51620097}" destId="{443688BC-B612-4755-85FC-C352DF038CFB}" srcOrd="0" destOrd="1" presId="urn:microsoft.com/office/officeart/2018/2/layout/IconVerticalSolidList"/>
+    <dgm:cxn modelId="{5D3AB1A6-41E1-43CB-8952-2CE4A24F3E1A}" srcId="{9ECF8FEF-4FC1-4305-A898-EF94A4A93F84}" destId="{CD03223D-C8B0-4307-9602-3BB7DB0844E0}" srcOrd="0" destOrd="0" parTransId="{89FDA212-880D-44EF-9EC8-8728A3478491}" sibTransId="{53913610-3542-404F-A39A-AD34DD09BF73}"/>
+    <dgm:cxn modelId="{2D8DD9B4-8CF8-4C03-B767-562EF80DF573}" type="presOf" srcId="{34219FAB-9FD1-4405-861D-B34C3309D9A3}" destId="{511EE2CD-DE32-45B7-BEB2-BC5C3BD3DC26}" srcOrd="0" destOrd="0" presId="urn:microsoft.com/office/officeart/2018/2/layout/IconVerticalSolidList"/>
+    <dgm:cxn modelId="{7AF70CC5-6375-4F32-81C9-6F21728EC472}" type="presOf" srcId="{9ECF8FEF-4FC1-4305-A898-EF94A4A93F84}" destId="{1D05761C-8BC2-43F2-A74E-893A5BB45119}" srcOrd="0" destOrd="0" presId="urn:microsoft.com/office/officeart/2018/2/layout/IconVerticalSolidList"/>
+    <dgm:cxn modelId="{BF0952CC-1704-4242-826A-9D3ADB5D8C7C}" type="presOf" srcId="{9D2349D6-2977-44F0-BABF-B12F7119C29F}" destId="{443688BC-B612-4755-85FC-C352DF038CFB}" srcOrd="0" destOrd="0" presId="urn:microsoft.com/office/officeart/2018/2/layout/IconVerticalSolidList"/>
+    <dgm:cxn modelId="{299F5FD6-97FE-4119-9C08-1ED8D2197FF9}" srcId="{9ECF8FEF-4FC1-4305-A898-EF94A4A93F84}" destId="{34219FAB-9FD1-4405-861D-B34C3309D9A3}" srcOrd="1" destOrd="0" parTransId="{580D63BE-DC0D-4C04-A7D4-89DFDD906FA4}" sibTransId="{5581B19B-A242-4923-8AF3-CDBF67064340}"/>
     <dgm:cxn modelId="{40C90EFE-AE8F-4593-A7A2-B666FFD1FB6F}" srcId="{34219FAB-9FD1-4405-861D-B34C3309D9A3}" destId="{637B9BD7-AF4E-4696-8464-FE3A51620097}" srcOrd="1" destOrd="0" parTransId="{61BBC5BC-34C0-47ED-A0CB-4DD98F595FDC}" sibTransId="{182F897E-6506-49C3-89D8-0DF2D588CC6C}"/>
-    <dgm:cxn modelId="{BF0952CC-1704-4242-826A-9D3ADB5D8C7C}" type="presOf" srcId="{9D2349D6-2977-44F0-BABF-B12F7119C29F}" destId="{443688BC-B612-4755-85FC-C352DF038CFB}" srcOrd="0" destOrd="0" presId="urn:microsoft.com/office/officeart/2018/2/layout/IconVerticalSolidList"/>
-    <dgm:cxn modelId="{7AF70CC5-6375-4F32-81C9-6F21728EC472}" type="presOf" srcId="{9ECF8FEF-4FC1-4305-A898-EF94A4A93F84}" destId="{1D05761C-8BC2-43F2-A74E-893A5BB45119}" srcOrd="0" destOrd="0" presId="urn:microsoft.com/office/officeart/2018/2/layout/IconVerticalSolidList"/>
-    <dgm:cxn modelId="{C1C0693B-0659-4A92-85D9-B99CDBFF54C8}" srcId="{9ECF8FEF-4FC1-4305-A898-EF94A4A93F84}" destId="{8B2DFA9F-2EBE-4C0F-B998-53A008BCC82B}" srcOrd="2" destOrd="0" parTransId="{20E47FE8-756A-47C7-80F5-4BBA19D82BB8}" sibTransId="{863C8E72-6BC6-43F1-A7BA-325A2A1FE4A9}"/>
-    <dgm:cxn modelId="{FECACD13-4A8A-411E-BB1E-6196E2021688}" type="presOf" srcId="{CD03223D-C8B0-4307-9602-3BB7DB0844E0}" destId="{9FDBE5B0-49CD-4677-9815-2EAD729FF7CA}" srcOrd="0" destOrd="0" presId="urn:microsoft.com/office/officeart/2018/2/layout/IconVerticalSolidList"/>
-    <dgm:cxn modelId="{13B1814A-92EB-4A3D-91F8-05A0D5BF0FF4}" type="presOf" srcId="{637B9BD7-AF4E-4696-8464-FE3A51620097}" destId="{443688BC-B612-4755-85FC-C352DF038CFB}" srcOrd="0" destOrd="1" presId="urn:microsoft.com/office/officeart/2018/2/layout/IconVerticalSolidList"/>
-    <dgm:cxn modelId="{299F5FD6-97FE-4119-9C08-1ED8D2197FF9}" srcId="{9ECF8FEF-4FC1-4305-A898-EF94A4A93F84}" destId="{34219FAB-9FD1-4405-861D-B34C3309D9A3}" srcOrd="1" destOrd="0" parTransId="{580D63BE-DC0D-4C04-A7D4-89DFDD906FA4}" sibTransId="{5581B19B-A242-4923-8AF3-CDBF67064340}"/>
-    <dgm:cxn modelId="{5D3AB1A6-41E1-43CB-8952-2CE4A24F3E1A}" srcId="{9ECF8FEF-4FC1-4305-A898-EF94A4A93F84}" destId="{CD03223D-C8B0-4307-9602-3BB7DB0844E0}" srcOrd="0" destOrd="0" parTransId="{89FDA212-880D-44EF-9EC8-8728A3478491}" sibTransId="{53913610-3542-404F-A39A-AD34DD09BF73}"/>
-    <dgm:cxn modelId="{ECF98F09-5678-4611-AE46-3221A8D0C8B9}" type="presOf" srcId="{8B2DFA9F-2EBE-4C0F-B998-53A008BCC82B}" destId="{17EB314A-5A9A-4C42-BA80-A5A95AF31231}" srcOrd="0" destOrd="0" presId="urn:microsoft.com/office/officeart/2018/2/layout/IconVerticalSolidList"/>
-    <dgm:cxn modelId="{2D8DD9B4-8CF8-4C03-B767-562EF80DF573}" type="presOf" srcId="{34219FAB-9FD1-4405-861D-B34C3309D9A3}" destId="{511EE2CD-DE32-45B7-BEB2-BC5C3BD3DC26}" srcOrd="0" destOrd="0" presId="urn:microsoft.com/office/officeart/2018/2/layout/IconVerticalSolidList"/>
-    <dgm:cxn modelId="{57C33361-9436-4457-A3CB-520E264D9F75}" srcId="{34219FAB-9FD1-4405-861D-B34C3309D9A3}" destId="{9D2349D6-2977-44F0-BABF-B12F7119C29F}" srcOrd="0" destOrd="0" parTransId="{56667F4F-A718-43D9-8987-B9A3F7B750A5}" sibTransId="{12FACB6C-C495-4941-AB14-BF8827F36F5D}"/>
     <dgm:cxn modelId="{1008889C-9DB8-47DF-B05C-F7AC3E48A23D}" type="presParOf" srcId="{1D05761C-8BC2-43F2-A74E-893A5BB45119}" destId="{B2EA3FCD-F985-47A1-84E0-B5ABB23176D2}" srcOrd="0" destOrd="0" presId="urn:microsoft.com/office/officeart/2018/2/layout/IconVerticalSolidList"/>
     <dgm:cxn modelId="{23CC077B-EE06-4DC8-B062-0A980ACCB27D}" type="presParOf" srcId="{B2EA3FCD-F985-47A1-84E0-B5ABB23176D2}" destId="{4441649F-8DC2-48FF-A485-D17740EB3CCF}" srcOrd="0" destOrd="0" presId="urn:microsoft.com/office/officeart/2018/2/layout/IconVerticalSolidList"/>
     <dgm:cxn modelId="{47D213CB-7483-470E-AB5F-CCA3333F4A22}" type="presParOf" srcId="{B2EA3FCD-F985-47A1-84E0-B5ABB23176D2}" destId="{FE5E1B63-0B11-47F2-B10E-69147744F4D7}" srcOrd="1" destOrd="0" presId="urn:microsoft.com/office/officeart/2018/2/layout/IconVerticalSolidList"/>
@@ -1545,7 +1482,7 @@
           <a:blip xmlns:r="http://schemas.openxmlformats.org/officeDocument/2006/relationships" r:embed="rId1">
             <a:extLst>
               <a:ext uri="{96DAC541-7B7A-43D3-8B79-37D633B846F1}">
-                <asvg:svgBlip xmlns="" xmlns:asvg="http://schemas.microsoft.com/office/drawing/2016/SVG/main" r:embed="rId2"/>
+                <asvg:svgBlip xmlns:asvg="http://schemas.microsoft.com/office/drawing/2016/SVG/main" r:embed="rId2"/>
               </a:ext>
             </a:extLst>
           </a:blip>
@@ -1613,7 +1550,7 @@
         </a:bodyPr>
         <a:lstStyle/>
         <a:p>
-          <a:pPr lvl="0" algn="l" defTabSz="1111250">
+          <a:pPr marL="0" lvl="0" indent="0" algn="l" defTabSz="1111250">
             <a:lnSpc>
               <a:spcPct val="100000"/>
             </a:lnSpc>
@@ -1623,6 +1560,7 @@
             <a:spcAft>
               <a:spcPct val="35000"/>
             </a:spcAft>
+            <a:buNone/>
           </a:pPr>
           <a:r>
             <a:rPr lang="en-US" sz="2500" b="1" kern="1200" dirty="0"/>
@@ -1693,7 +1631,7 @@
                 <a14:useLocalDpi xmlns:a14="http://schemas.microsoft.com/office/drawing/2010/main" val="0"/>
               </a:ext>
               <a:ext uri="{96DAC541-7B7A-43D3-8B79-37D633B846F1}">
-                <asvg:svgBlip xmlns="" xmlns:asvg="http://schemas.microsoft.com/office/drawing/2016/SVG/main" r:embed="rId4"/>
+                <asvg:svgBlip xmlns:asvg="http://schemas.microsoft.com/office/drawing/2016/SVG/main" r:embed="rId4"/>
               </a:ext>
             </a:extLst>
           </a:blip>
@@ -1760,7 +1698,7 @@
         </a:bodyPr>
         <a:lstStyle/>
         <a:p>
-          <a:pPr lvl="0" algn="l" defTabSz="1111250">
+          <a:pPr marL="0" lvl="0" indent="0" algn="l" defTabSz="1111250">
             <a:lnSpc>
               <a:spcPct val="100000"/>
             </a:lnSpc>
@@ -1770,6 +1708,7 @@
             <a:spcAft>
               <a:spcPct val="35000"/>
             </a:spcAft>
+            <a:buNone/>
           </a:pPr>
           <a:r>
             <a:rPr lang="en-US" sz="2500" b="1" kern="1200" dirty="0"/>
@@ -1820,7 +1759,7 @@
         </a:bodyPr>
         <a:lstStyle/>
         <a:p>
-          <a:pPr lvl="0" algn="l" defTabSz="800100">
+          <a:pPr marL="0" lvl="0" indent="0" algn="l" defTabSz="800100">
             <a:lnSpc>
               <a:spcPct val="100000"/>
             </a:lnSpc>
@@ -1830,6 +1769,7 @@
             <a:spcAft>
               <a:spcPct val="35000"/>
             </a:spcAft>
+            <a:buNone/>
           </a:pPr>
           <a:r>
             <a:rPr lang="en-US" sz="1800" kern="1200" dirty="0"/>
@@ -1837,7 +1777,7 @@
           </a:r>
         </a:p>
         <a:p>
-          <a:pPr lvl="0" algn="l" defTabSz="800100">
+          <a:pPr marL="0" lvl="0" indent="0" algn="l" defTabSz="800100">
             <a:lnSpc>
               <a:spcPct val="100000"/>
             </a:lnSpc>
@@ -1847,6 +1787,7 @@
             <a:spcAft>
               <a:spcPct val="35000"/>
             </a:spcAft>
+            <a:buNone/>
           </a:pPr>
           <a:r>
             <a:rPr lang="en-US" sz="1800" kern="1200" dirty="0"/>
@@ -1911,10 +1852,10 @@
           <a:avLst/>
         </a:prstGeom>
         <a:blipFill>
-          <a:blip xmlns:r="http://schemas.openxmlformats.org/officeDocument/2006/relationships" r:embed="rId5">
+          <a:blip xmlns:r="http://schemas.openxmlformats.org/officeDocument/2006/relationships" r:embed="rId3">
             <a:extLst>
               <a:ext uri="{96DAC541-7B7A-43D3-8B79-37D633B846F1}">
-                <asvg:svgBlip xmlns="" xmlns:asvg="http://schemas.microsoft.com/office/drawing/2016/SVG/main" r:embed="rId4"/>
+                <asvg:svgBlip xmlns:asvg="http://schemas.microsoft.com/office/drawing/2016/SVG/main" r:embed="rId4"/>
               </a:ext>
             </a:extLst>
           </a:blip>
@@ -1982,7 +1923,7 @@
         </a:bodyPr>
         <a:lstStyle/>
         <a:p>
-          <a:pPr lvl="0" algn="l" defTabSz="1111250">
+          <a:pPr marL="0" lvl="0" indent="0" algn="l" defTabSz="1111250">
             <a:lnSpc>
               <a:spcPct val="100000"/>
             </a:lnSpc>
@@ -1992,6 +1933,7 @@
             <a:spcAft>
               <a:spcPct val="35000"/>
             </a:spcAft>
+            <a:buNone/>
           </a:pPr>
           <a:r>
             <a:rPr lang="en-US" sz="2500" b="1" kern="1200" dirty="0"/>
@@ -2286,7 +2228,7 @@
   </dgm:layoutNode>
   <dgm:extLst>
     <a:ext uri="{68A01E43-0DF5-4B5B-8FA6-DAF915123BFB}">
-      <dgm1612:lstStyle xmlns="" xmlns:dgm1612="http://schemas.microsoft.com/office/drawing/2016/12/diagram">
+      <dgm1612:lstStyle xmlns:dgm1612="http://schemas.microsoft.com/office/drawing/2016/12/diagram">
         <a:lvl1pPr>
           <a:lnSpc>
             <a:spcPct val="100000"/>
@@ -3419,7 +3361,7 @@
           <a:p>
             <a:fld id="{001A807B-7DBB-45D2-B3F3-CAA592858B49}" type="datetimeFigureOut">
               <a:rPr lang="en-US" smtClean="0"/>
-              <a:t>2/10/2020</a:t>
+              <a:t>1/19/2021</a:t>
             </a:fld>
             <a:endParaRPr lang="en-US"/>
           </a:p>
@@ -4415,7 +4357,7 @@
           <a:p>
             <a:fld id="{F3175D55-7172-4598-95C7-7AC62CC8AEC3}" type="datetimeFigureOut">
               <a:rPr lang="en-US" smtClean="0"/>
-              <a:t>2/10/2020</a:t>
+              <a:t>1/19/2021</a:t>
             </a:fld>
             <a:endParaRPr lang="en-US"/>
           </a:p>
@@ -4583,7 +4525,7 @@
           <a:p>
             <a:fld id="{F3175D55-7172-4598-95C7-7AC62CC8AEC3}" type="datetimeFigureOut">
               <a:rPr lang="en-US" smtClean="0"/>
-              <a:t>2/10/2020</a:t>
+              <a:t>1/19/2021</a:t>
             </a:fld>
             <a:endParaRPr lang="en-US"/>
           </a:p>
@@ -4761,7 +4703,7 @@
           <a:p>
             <a:fld id="{F3175D55-7172-4598-95C7-7AC62CC8AEC3}" type="datetimeFigureOut">
               <a:rPr lang="en-US" smtClean="0"/>
-              <a:t>2/10/2020</a:t>
+              <a:t>1/19/2021</a:t>
             </a:fld>
             <a:endParaRPr lang="en-US"/>
           </a:p>
@@ -5002,7 +4944,7 @@
             <a:fld id="{AEF3C9D5-948D-45BF-A43A-BC1C8F177659}" type="datetime1">
               <a:rPr lang="en-US" smtClean="0"/>
               <a:pPr/>
-              <a:t>2/10/2020</a:t>
+              <a:t>1/19/2021</a:t>
             </a:fld>
             <a:endParaRPr lang="en-US"/>
           </a:p>
@@ -5172,7 +5114,7 @@
             <a:fld id="{24DE1747-153E-4BA7-845E-5E7975F88D66}" type="datetime1">
               <a:rPr lang="en-US" smtClean="0"/>
               <a:pPr/>
-              <a:t>2/10/2020</a:t>
+              <a:t>1/19/2021</a:t>
             </a:fld>
             <a:endParaRPr lang="en-US"/>
           </a:p>
@@ -5419,7 +5361,7 @@
             <a:fld id="{F71ECA1C-BCD9-4C21-9BC5-BB94294F1269}" type="datetime1">
               <a:rPr lang="en-US" smtClean="0"/>
               <a:pPr/>
-              <a:t>2/10/2020</a:t>
+              <a:t>1/19/2021</a:t>
             </a:fld>
             <a:endParaRPr lang="en-US"/>
           </a:p>
@@ -5706,7 +5648,7 @@
             <a:fld id="{C74D56A4-68C4-40CF-99B1-A59BBC130E54}" type="datetime1">
               <a:rPr lang="en-US" smtClean="0"/>
               <a:pPr/>
-              <a:t>2/10/2020</a:t>
+              <a:t>1/19/2021</a:t>
             </a:fld>
             <a:endParaRPr lang="en-US"/>
           </a:p>
@@ -6127,7 +6069,7 @@
             <a:fld id="{50E4250C-EECC-464A-9F01-39097C0C28CA}" type="datetime1">
               <a:rPr lang="en-US" smtClean="0"/>
               <a:pPr/>
-              <a:t>2/10/2020</a:t>
+              <a:t>1/19/2021</a:t>
             </a:fld>
             <a:endParaRPr lang="en-US"/>
           </a:p>
@@ -6963,7 +6905,7 @@
             <a:fld id="{EE38F263-8F67-4EB6-A377-0FB965046360}" type="datetime1">
               <a:rPr lang="en-US" smtClean="0"/>
               <a:pPr/>
-              <a:t>2/10/2020</a:t>
+              <a:t>1/19/2021</a:t>
             </a:fld>
             <a:endParaRPr lang="en-US"/>
           </a:p>
@@ -7141,7 +7083,7 @@
           <a:p>
             <a:fld id="{F3175D55-7172-4598-95C7-7AC62CC8AEC3}" type="datetimeFigureOut">
               <a:rPr lang="en-US" smtClean="0"/>
-              <a:t>2/10/2020</a:t>
+              <a:t>1/19/2021</a:t>
             </a:fld>
             <a:endParaRPr lang="en-US"/>
           </a:p>
@@ -7471,7 +7413,7 @@
             <a:fld id="{D059461F-53CE-4F0D-8C52-0E69A5D463FE}" type="datetime1">
               <a:rPr lang="en-US" smtClean="0"/>
               <a:pPr/>
-              <a:t>2/10/2020</a:t>
+              <a:t>1/19/2021</a:t>
             </a:fld>
             <a:endParaRPr lang="en-US"/>
           </a:p>
@@ -7725,7 +7667,7 @@
             <a:fld id="{AF95868E-B978-4568-9431-F5759F396BAA}" type="datetime1">
               <a:rPr lang="en-US" smtClean="0"/>
               <a:pPr/>
-              <a:t>2/10/2020</a:t>
+              <a:t>1/19/2021</a:t>
             </a:fld>
             <a:endParaRPr lang="en-US"/>
           </a:p>
@@ -7895,7 +7837,7 @@
             <a:fld id="{C4E74B5A-09BF-4687-B57D-3DB82197D943}" type="datetime1">
               <a:rPr lang="en-US" smtClean="0"/>
               <a:pPr/>
-              <a:t>2/10/2020</a:t>
+              <a:t>1/19/2021</a:t>
             </a:fld>
             <a:endParaRPr lang="en-US"/>
           </a:p>
@@ -8075,7 +8017,7 @@
             <a:fld id="{49A3F927-E985-4A56-9013-78D3FFC3EF4C}" type="datetime1">
               <a:rPr lang="en-US" smtClean="0"/>
               <a:pPr/>
-              <a:t>2/10/2020</a:t>
+              <a:t>1/19/2021</a:t>
             </a:fld>
             <a:endParaRPr lang="en-US"/>
           </a:p>
@@ -8194,7 +8136,7 @@
             <a:fld id="{EE38F263-8F67-4EB6-A377-0FB965046360}" type="datetime1">
               <a:rPr lang="en-US" smtClean="0"/>
               <a:pPr/>
-              <a:t>2/10/2020</a:t>
+              <a:t>1/19/2021</a:t>
             </a:fld>
             <a:endParaRPr lang="en-US"/>
           </a:p>
@@ -8436,7 +8378,7 @@
             <a:fld id="{AEF3C9D5-948D-45BF-A43A-BC1C8F177659}" type="datetime1">
               <a:rPr lang="en-US" smtClean="0"/>
               <a:pPr/>
-              <a:t>2/10/2020</a:t>
+              <a:t>1/19/2021</a:t>
             </a:fld>
             <a:endParaRPr lang="en-US"/>
           </a:p>
@@ -8606,7 +8548,7 @@
             <a:fld id="{24DE1747-153E-4BA7-845E-5E7975F88D66}" type="datetime1">
               <a:rPr lang="en-US" smtClean="0"/>
               <a:pPr/>
-              <a:t>2/10/2020</a:t>
+              <a:t>1/19/2021</a:t>
             </a:fld>
             <a:endParaRPr lang="en-US"/>
           </a:p>
@@ -8853,7 +8795,7 @@
             <a:fld id="{F71ECA1C-BCD9-4C21-9BC5-BB94294F1269}" type="datetime1">
               <a:rPr lang="en-US" smtClean="0"/>
               <a:pPr/>
-              <a:t>2/10/2020</a:t>
+              <a:t>1/19/2021</a:t>
             </a:fld>
             <a:endParaRPr lang="en-US"/>
           </a:p>
@@ -9140,7 +9082,7 @@
             <a:fld id="{C74D56A4-68C4-40CF-99B1-A59BBC130E54}" type="datetime1">
               <a:rPr lang="en-US" smtClean="0"/>
               <a:pPr/>
-              <a:t>2/10/2020</a:t>
+              <a:t>1/19/2021</a:t>
             </a:fld>
             <a:endParaRPr lang="en-US"/>
           </a:p>
@@ -9391,7 +9333,7 @@
           <a:p>
             <a:fld id="{F3175D55-7172-4598-95C7-7AC62CC8AEC3}" type="datetimeFigureOut">
               <a:rPr lang="en-US" smtClean="0"/>
-              <a:t>2/10/2020</a:t>
+              <a:t>1/19/2021</a:t>
             </a:fld>
             <a:endParaRPr lang="en-US"/>
           </a:p>
@@ -9811,7 +9753,7 @@
             <a:fld id="{50E4250C-EECC-464A-9F01-39097C0C28CA}" type="datetime1">
               <a:rPr lang="en-US" smtClean="0"/>
               <a:pPr/>
-              <a:t>2/10/2020</a:t>
+              <a:t>1/19/2021</a:t>
             </a:fld>
             <a:endParaRPr lang="en-US"/>
           </a:p>
@@ -10200,7 +10142,7 @@
             <a:fld id="{EE38F263-8F67-4EB6-A377-0FB965046360}" type="datetime1">
               <a:rPr lang="en-US" smtClean="0"/>
               <a:pPr/>
-              <a:t>2/10/2020</a:t>
+              <a:t>1/19/2021</a:t>
             </a:fld>
             <a:endParaRPr lang="en-US"/>
           </a:p>
@@ -10531,7 +10473,7 @@
             <a:fld id="{D059461F-53CE-4F0D-8C52-0E69A5D463FE}" type="datetime1">
               <a:rPr lang="en-US" smtClean="0"/>
               <a:pPr/>
-              <a:t>2/10/2020</a:t>
+              <a:t>1/19/2021</a:t>
             </a:fld>
             <a:endParaRPr lang="en-US"/>
           </a:p>
@@ -10785,7 +10727,7 @@
             <a:fld id="{AF95868E-B978-4568-9431-F5759F396BAA}" type="datetime1">
               <a:rPr lang="en-US" smtClean="0"/>
               <a:pPr/>
-              <a:t>2/10/2020</a:t>
+              <a:t>1/19/2021</a:t>
             </a:fld>
             <a:endParaRPr lang="en-US"/>
           </a:p>
@@ -10955,7 +10897,7 @@
             <a:fld id="{C4E74B5A-09BF-4687-B57D-3DB82197D943}" type="datetime1">
               <a:rPr lang="en-US" smtClean="0"/>
               <a:pPr/>
-              <a:t>2/10/2020</a:t>
+              <a:t>1/19/2021</a:t>
             </a:fld>
             <a:endParaRPr lang="en-US"/>
           </a:p>
@@ -11135,7 +11077,7 @@
             <a:fld id="{49A3F927-E985-4A56-9013-78D3FFC3EF4C}" type="datetime1">
               <a:rPr lang="en-US" smtClean="0"/>
               <a:pPr/>
-              <a:t>2/10/2020</a:t>
+              <a:t>1/19/2021</a:t>
             </a:fld>
             <a:endParaRPr lang="en-US"/>
           </a:p>
@@ -11254,7 +11196,7 @@
             <a:fld id="{EE38F263-8F67-4EB6-A377-0FB965046360}" type="datetime1">
               <a:rPr lang="en-US" smtClean="0"/>
               <a:pPr/>
-              <a:t>2/10/2020</a:t>
+              <a:t>1/19/2021</a:t>
             </a:fld>
             <a:endParaRPr lang="en-US"/>
           </a:p>
@@ -11372,7 +11314,7 @@
           <a:p>
             <a:fld id="{5F8CB659-BAAB-4DA9-8080-ED588401F2FB}" type="datetimeFigureOut">
               <a:rPr lang="en-US" smtClean="0"/>
-              <a:t>2/10/2020</a:t>
+              <a:t>1/19/2021</a:t>
             </a:fld>
             <a:endParaRPr lang="en-US"/>
           </a:p>
@@ -11601,7 +11543,7 @@
           <a:p>
             <a:fld id="{F3175D55-7172-4598-95C7-7AC62CC8AEC3}" type="datetimeFigureOut">
               <a:rPr lang="en-US" smtClean="0"/>
-              <a:t>2/10/2020</a:t>
+              <a:t>1/19/2021</a:t>
             </a:fld>
             <a:endParaRPr lang="en-US"/>
           </a:p>
@@ -11842,7 +11784,7 @@
             <a:fld id="{AEF3C9D5-948D-45BF-A43A-BC1C8F177659}" type="datetime1">
               <a:rPr lang="en-US" smtClean="0"/>
               <a:pPr/>
-              <a:t>2/10/2020</a:t>
+              <a:t>1/19/2021</a:t>
             </a:fld>
             <a:endParaRPr lang="en-US"/>
           </a:p>
@@ -12012,7 +11954,7 @@
             <a:fld id="{24DE1747-153E-4BA7-845E-5E7975F88D66}" type="datetime1">
               <a:rPr lang="en-US" smtClean="0"/>
               <a:pPr/>
-              <a:t>2/10/2020</a:t>
+              <a:t>1/19/2021</a:t>
             </a:fld>
             <a:endParaRPr lang="en-US"/>
           </a:p>
@@ -12259,7 +12201,7 @@
             <a:fld id="{F71ECA1C-BCD9-4C21-9BC5-BB94294F1269}" type="datetime1">
               <a:rPr lang="en-US" smtClean="0"/>
               <a:pPr/>
-              <a:t>2/10/2020</a:t>
+              <a:t>1/19/2021</a:t>
             </a:fld>
             <a:endParaRPr lang="en-US"/>
           </a:p>
@@ -12546,7 +12488,7 @@
             <a:fld id="{C74D56A4-68C4-40CF-99B1-A59BBC130E54}" type="datetime1">
               <a:rPr lang="en-US" smtClean="0"/>
               <a:pPr/>
-              <a:t>2/10/2020</a:t>
+              <a:t>1/19/2021</a:t>
             </a:fld>
             <a:endParaRPr lang="en-US"/>
           </a:p>
@@ -12967,7 +12909,7 @@
             <a:fld id="{50E4250C-EECC-464A-9F01-39097C0C28CA}" type="datetime1">
               <a:rPr lang="en-US" smtClean="0"/>
               <a:pPr/>
-              <a:t>2/10/2020</a:t>
+              <a:t>1/19/2021</a:t>
             </a:fld>
             <a:endParaRPr lang="en-US"/>
           </a:p>
@@ -13803,7 +13745,7 @@
             <a:fld id="{EE38F263-8F67-4EB6-A377-0FB965046360}" type="datetime1">
               <a:rPr lang="en-US" smtClean="0"/>
               <a:pPr/>
-              <a:t>2/10/2020</a:t>
+              <a:t>1/19/2021</a:t>
             </a:fld>
             <a:endParaRPr lang="en-US"/>
           </a:p>
@@ -14134,7 +14076,7 @@
             <a:fld id="{D059461F-53CE-4F0D-8C52-0E69A5D463FE}" type="datetime1">
               <a:rPr lang="en-US" smtClean="0"/>
               <a:pPr/>
-              <a:t>2/10/2020</a:t>
+              <a:t>1/19/2021</a:t>
             </a:fld>
             <a:endParaRPr lang="en-US"/>
           </a:p>
@@ -14499,7 +14441,7 @@
           <a:p>
             <a:fld id="{F3175D55-7172-4598-95C7-7AC62CC8AEC3}" type="datetimeFigureOut">
               <a:rPr lang="en-US" smtClean="0"/>
-              <a:t>2/10/2020</a:t>
+              <a:t>1/19/2021</a:t>
             </a:fld>
             <a:endParaRPr lang="en-US"/>
           </a:p>
@@ -14752,7 +14694,7 @@
             <a:fld id="{AF95868E-B978-4568-9431-F5759F396BAA}" type="datetime1">
               <a:rPr lang="en-US" smtClean="0"/>
               <a:pPr/>
-              <a:t>2/10/2020</a:t>
+              <a:t>1/19/2021</a:t>
             </a:fld>
             <a:endParaRPr lang="en-US"/>
           </a:p>
@@ -14922,7 +14864,7 @@
             <a:fld id="{C4E74B5A-09BF-4687-B57D-3DB82197D943}" type="datetime1">
               <a:rPr lang="en-US" smtClean="0"/>
               <a:pPr/>
-              <a:t>2/10/2020</a:t>
+              <a:t>1/19/2021</a:t>
             </a:fld>
             <a:endParaRPr lang="en-US"/>
           </a:p>
@@ -15102,7 +15044,7 @@
             <a:fld id="{49A3F927-E985-4A56-9013-78D3FFC3EF4C}" type="datetime1">
               <a:rPr lang="en-US" smtClean="0"/>
               <a:pPr/>
-              <a:t>2/10/2020</a:t>
+              <a:t>1/19/2021</a:t>
             </a:fld>
             <a:endParaRPr lang="en-US"/>
           </a:p>
@@ -15221,7 +15163,7 @@
             <a:fld id="{EE38F263-8F67-4EB6-A377-0FB965046360}" type="datetime1">
               <a:rPr lang="en-US" smtClean="0"/>
               <a:pPr/>
-              <a:t>2/10/2020</a:t>
+              <a:t>1/19/2021</a:t>
             </a:fld>
             <a:endParaRPr lang="en-US"/>
           </a:p>
@@ -15339,7 +15281,7 @@
           <a:p>
             <a:fld id="{9AA5EA0D-0DFA-4FB3-91EC-F80588E7F6C0}" type="datetimeFigureOut">
               <a:rPr lang="en-US" smtClean="0"/>
-              <a:t>2/10/2020</a:t>
+              <a:t>1/19/2021</a:t>
             </a:fld>
             <a:endParaRPr lang="en-US"/>
           </a:p>
@@ -15717,7 +15659,7 @@
           <a:p>
             <a:fld id="{F3175D55-7172-4598-95C7-7AC62CC8AEC3}" type="datetimeFigureOut">
               <a:rPr lang="en-US" smtClean="0"/>
-              <a:t>2/10/2020</a:t>
+              <a:t>1/19/2021</a:t>
             </a:fld>
             <a:endParaRPr lang="en-US"/>
           </a:p>
@@ -15812,7 +15754,7 @@
           <a:p>
             <a:fld id="{F3175D55-7172-4598-95C7-7AC62CC8AEC3}" type="datetimeFigureOut">
               <a:rPr lang="en-US" smtClean="0"/>
-              <a:t>2/10/2020</a:t>
+              <a:t>1/19/2021</a:t>
             </a:fld>
             <a:endParaRPr lang="en-US"/>
           </a:p>
@@ -16087,7 +16029,7 @@
           <a:p>
             <a:fld id="{F3175D55-7172-4598-95C7-7AC62CC8AEC3}" type="datetimeFigureOut">
               <a:rPr lang="en-US" smtClean="0"/>
-              <a:t>2/10/2020</a:t>
+              <a:t>1/19/2021</a:t>
             </a:fld>
             <a:endParaRPr lang="en-US"/>
           </a:p>
@@ -16339,7 +16281,7 @@
           <a:p>
             <a:fld id="{F3175D55-7172-4598-95C7-7AC62CC8AEC3}" type="datetimeFigureOut">
               <a:rPr lang="en-US" smtClean="0"/>
-              <a:t>2/10/2020</a:t>
+              <a:t>1/19/2021</a:t>
             </a:fld>
             <a:endParaRPr lang="en-US"/>
           </a:p>
@@ -16550,7 +16492,7 @@
           <a:p>
             <a:fld id="{F3175D55-7172-4598-95C7-7AC62CC8AEC3}" type="datetimeFigureOut">
               <a:rPr lang="en-US" smtClean="0"/>
-              <a:t>2/10/2020</a:t>
+              <a:t>1/19/2021</a:t>
             </a:fld>
             <a:endParaRPr lang="en-US"/>
           </a:p>
@@ -17089,7 +17031,7 @@
             <a:fld id="{EE38F263-8F67-4EB6-A377-0FB965046360}" type="datetime1">
               <a:rPr lang="en-US" smtClean="0"/>
               <a:pPr/>
-              <a:t>2/10/2020</a:t>
+              <a:t>1/19/2021</a:t>
             </a:fld>
             <a:endParaRPr lang="en-US"/>
           </a:p>
@@ -17605,7 +17547,7 @@
             <a:fld id="{EE38F263-8F67-4EB6-A377-0FB965046360}" type="datetime1">
               <a:rPr lang="en-US" smtClean="0"/>
               <a:pPr/>
-              <a:t>2/10/2020</a:t>
+              <a:t>1/19/2021</a:t>
             </a:fld>
             <a:endParaRPr lang="en-US"/>
           </a:p>
@@ -18119,7 +18061,7 @@
             <a:fld id="{EE38F263-8F67-4EB6-A377-0FB965046360}" type="datetime1">
               <a:rPr lang="en-US" smtClean="0"/>
               <a:pPr/>
-              <a:t>2/10/2020</a:t>
+              <a:t>1/19/2021</a:t>
             </a:fld>
             <a:endParaRPr lang="en-US"/>
           </a:p>
@@ -24631,15 +24573,6 @@
               </a:p>
               <a:p>
                 <a:pPr/>
-                <a:r>
-                  <a:rPr lang="en-US" i="1" dirty="0">
-                    <a:solidFill>
-                      <a:srgbClr val="000000"/>
-                    </a:solidFill>
-                    <a:latin typeface="Cambria Math" panose="02040503050406030204" pitchFamily="18" charset="0"/>
-                  </a:rPr>
-                  <a:t/>
-                </a:r>
                 <a:br>
                   <a:rPr lang="en-US" i="1" dirty="0">
                     <a:solidFill>
@@ -28425,23 +28358,6 @@
               </a:rPr>
               <a:t>T2</a:t>
             </a:r>
-            <a:r>
-              <a:rPr kumimoji="0" lang="en-US" sz="1400" b="0" i="0" u="none" strike="noStrike" kern="1200" cap="none" spc="0" normalizeH="0" baseline="0" noProof="0" dirty="0">
-                <a:ln>
-                  <a:noFill/>
-                </a:ln>
-                <a:solidFill>
-                  <a:prstClr val="black"/>
-                </a:solidFill>
-                <a:effectLst/>
-                <a:uLnTx/>
-                <a:uFillTx/>
-                <a:latin typeface="Tahoma" charset="0"/>
-                <a:ea typeface="+mn-ea"/>
-                <a:cs typeface="+mn-cs"/>
-              </a:rPr>
-              <a:t/>
-            </a:r>
             <a:br>
               <a:rPr kumimoji="0" lang="en-US" sz="1400" b="0" i="0" u="none" strike="noStrike" kern="1200" cap="none" spc="0" normalizeH="0" baseline="0" noProof="0" dirty="0">
                 <a:ln>
@@ -29626,7 +29542,7 @@
               </a:rPr>
               <a:t>T2 - T1 = 0 </a:t>
             </a:r>
-            <a:r>
+            <a:br>
               <a:rPr kumimoji="0" lang="en-US" sz="1600" b="0" i="0" u="none" strike="noStrike" kern="1200" cap="none" spc="0" normalizeH="0" baseline="0" noProof="0" dirty="0">
                 <a:ln>
                   <a:noFill/>
@@ -29641,9 +29557,8 @@
                 <a:ea typeface="+mn-ea"/>
                 <a:cs typeface="+mn-cs"/>
               </a:rPr>
-              <a:t/>
-            </a:r>
-            <a:br>
+            </a:br>
+            <a:r>
               <a:rPr kumimoji="0" lang="en-US" sz="1600" b="0" i="0" u="none" strike="noStrike" kern="1200" cap="none" spc="0" normalizeH="0" baseline="0" noProof="0" dirty="0">
                 <a:ln>
                   <a:noFill/>
@@ -29658,22 +29573,6 @@
                 <a:ea typeface="+mn-ea"/>
                 <a:cs typeface="+mn-cs"/>
               </a:rPr>
-            </a:br>
-            <a:r>
-              <a:rPr kumimoji="0" lang="en-US" sz="1600" b="0" i="0" u="none" strike="noStrike" kern="1200" cap="none" spc="0" normalizeH="0" baseline="0" noProof="0" dirty="0">
-                <a:ln>
-                  <a:noFill/>
-                </a:ln>
-                <a:solidFill>
-                  <a:srgbClr val="FF6D16"/>
-                </a:solidFill>
-                <a:effectLst/>
-                <a:uLnTx/>
-                <a:uFillTx/>
-                <a:latin typeface="Tahoma" charset="0"/>
-                <a:ea typeface="+mn-ea"/>
-                <a:cs typeface="+mn-cs"/>
-              </a:rPr>
               <a:t>Impact study accurately represents program effects</a:t>
             </a:r>
           </a:p>
@@ -29684,23 +29583,6 @@
                 <a:latin typeface="Tahoma" charset="0"/>
               </a:rPr>
               <a:t>Program is not determined to be effective (no change)</a:t>
-            </a:r>
-            <a:r>
-              <a:rPr kumimoji="0" lang="en-US" sz="1600" b="0" i="0" u="none" strike="noStrike" kern="1200" cap="none" spc="0" normalizeH="0" baseline="0" noProof="0" dirty="0">
-                <a:ln>
-                  <a:noFill/>
-                </a:ln>
-                <a:solidFill>
-                  <a:srgbClr val="FF6D16"/>
-                </a:solidFill>
-                <a:effectLst/>
-                <a:uLnTx/>
-                <a:uFillTx/>
-                <a:latin typeface="Tahoma" charset="0"/>
-                <a:ea typeface="+mn-ea"/>
-                <a:cs typeface="+mn-cs"/>
-              </a:rPr>
-              <a:t/>
             </a:r>
             <a:br>
               <a:rPr kumimoji="0" lang="en-US" sz="1600" b="0" i="0" u="none" strike="noStrike" kern="1200" cap="none" spc="0" normalizeH="0" baseline="0" noProof="0" dirty="0">
@@ -32117,10 +31999,6 @@
               </a:rPr>
               <a:t>Nature gives us correlations: </a:t>
             </a:r>
-            <a:r>
-              <a:rPr lang="en-US" sz="4400" dirty="0"/>
-              <a:t/>
-            </a:r>
             <a:br>
               <a:rPr lang="en-US" sz="4400" dirty="0"/>
             </a:br>
@@ -32622,7 +32500,7 @@
               </a:rPr>
               <a:t>How do we test the criteria: </a:t>
             </a:r>
-            <a:r>
+            <a:br>
               <a:rPr lang="en-US" sz="2400" dirty="0">
                 <a:solidFill>
                   <a:prstClr val="black"/>
@@ -32630,27 +32508,7 @@
                 <a:latin typeface="Century Gothic" panose="020B0502020202020204" pitchFamily="34" charset="0"/>
                 <a:cs typeface="Times New Roman" panose="02020603050405020304" pitchFamily="18" charset="0"/>
               </a:rPr>
-              <a:t/>
-            </a:r>
-            <a:br>
-              <a:rPr lang="en-US" sz="2400" dirty="0">
-                <a:solidFill>
-                  <a:prstClr val="black"/>
-                </a:solidFill>
-                <a:latin typeface="Century Gothic" panose="020B0502020202020204" pitchFamily="34" charset="0"/>
-                <a:cs typeface="Times New Roman" panose="02020603050405020304" pitchFamily="18" charset="0"/>
-              </a:rPr>
             </a:br>
-            <a:r>
-              <a:rPr lang="en-US" sz="2400" dirty="0">
-                <a:solidFill>
-                  <a:prstClr val="black"/>
-                </a:solidFill>
-                <a:latin typeface="Century Gothic" panose="020B0502020202020204" pitchFamily="34" charset="0"/>
-                <a:cs typeface="Times New Roman" panose="02020603050405020304" pitchFamily="18" charset="0"/>
-              </a:rPr>
-              <a:t/>
-            </a:r>
             <a:br>
               <a:rPr lang="en-US" sz="2400" dirty="0">
                 <a:solidFill>
@@ -32718,6 +32576,14 @@
 <file path=ppt/slides/slide32.xml><?xml version="1.0" encoding="utf-8"?>
 <p:sld xmlns:a="http://schemas.openxmlformats.org/drawingml/2006/main" xmlns:r="http://schemas.openxmlformats.org/officeDocument/2006/relationships" xmlns:p="http://schemas.openxmlformats.org/presentationml/2006/main">
   <p:cSld>
+    <p:bg>
+      <p:bgPr>
+        <a:solidFill>
+          <a:schemeClr val="bg1"/>
+        </a:solidFill>
+        <a:effectLst/>
+      </p:bgPr>
+    </p:bg>
     <p:spTree>
       <p:nvGrpSpPr>
         <p:cNvPr id="1" name=""/>
@@ -32732,6 +32598,66 @@
           <a:chExt cx="0" cy="0"/>
         </a:xfrm>
       </p:grpSpPr>
+      <p:sp useBgFill="1">
+        <p:nvSpPr>
+          <p:cNvPr id="71" name="Rectangle 70">
+            <a:extLst>
+              <a:ext uri="{FF2B5EF4-FFF2-40B4-BE49-F238E27FC236}">
+                <a16:creationId xmlns:a16="http://schemas.microsoft.com/office/drawing/2014/main" id="{ECC07320-C2CA-4E29-8481-9D9E143C7788}"/>
+              </a:ext>
+              <a:ext uri="{C183D7F6-B498-43B3-948B-1728B52AA6E4}">
+                <adec:decorative xmlns:adec="http://schemas.microsoft.com/office/drawing/2017/decorative" val="1"/>
+              </a:ext>
+            </a:extLst>
+          </p:cNvPr>
+          <p:cNvSpPr>
+            <a:spLocks noGrp="1" noRot="1" noChangeAspect="1" noMove="1" noResize="1" noEditPoints="1" noAdjustHandles="1" noChangeArrowheads="1" noChangeShapeType="1" noTextEdit="1"/>
+          </p:cNvSpPr>
+          <p:nvPr>
+            <p:extLst>
+              <p:ext uri="{386F3935-93C4-4BCD-93E2-E3B085C9AB24}">
+                <p16:designElem xmlns:p16="http://schemas.microsoft.com/office/powerpoint/2015/main" val="1"/>
+              </p:ext>
+            </p:extLst>
+          </p:nvPr>
+        </p:nvSpPr>
+        <p:spPr>
+          <a:xfrm>
+            <a:off x="-1" y="0"/>
+            <a:ext cx="12188952" cy="6858000"/>
+          </a:xfrm>
+          <a:prstGeom prst="rect">
+            <a:avLst/>
+          </a:prstGeom>
+          <a:ln>
+            <a:noFill/>
+          </a:ln>
+        </p:spPr>
+        <p:style>
+          <a:lnRef idx="2">
+            <a:schemeClr val="accent1">
+              <a:shade val="50000"/>
+            </a:schemeClr>
+          </a:lnRef>
+          <a:fillRef idx="1">
+            <a:schemeClr val="accent1"/>
+          </a:fillRef>
+          <a:effectRef idx="0">
+            <a:schemeClr val="accent1"/>
+          </a:effectRef>
+          <a:fontRef idx="minor">
+            <a:schemeClr val="lt1"/>
+          </a:fontRef>
+        </p:style>
+        <p:txBody>
+          <a:bodyPr rtlCol="0" anchor="ctr"/>
+          <a:lstStyle/>
+          <a:p>
+            <a:pPr algn="ctr"/>
+            <a:endParaRPr lang="en-US"/>
+          </a:p>
+        </p:txBody>
+      </p:sp>
       <p:sp>
         <p:nvSpPr>
           <p:cNvPr id="2" name="Title 1"/>
@@ -32742,15 +32668,134 @@
             <p:ph type="title"/>
           </p:nvPr>
         </p:nvSpPr>
-        <p:spPr/>
-        <p:txBody>
-          <a:bodyPr/>
-          <a:lstStyle/>
-          <a:p>
-            <a:r>
-              <a:rPr lang="en-US" dirty="0"/>
-              <a:t>Happy randomization</a:t>
-            </a:r>
+        <p:spPr>
+          <a:xfrm>
+            <a:off x="7380407" y="743447"/>
+            <a:ext cx="3973385" cy="3692028"/>
+          </a:xfrm>
+          <a:noFill/>
+        </p:spPr>
+        <p:txBody>
+          <a:bodyPr vert="horz" lIns="91440" tIns="45720" rIns="91440" bIns="45720" rtlCol="0" anchor="b">
+            <a:normAutofit/>
+          </a:bodyPr>
+          <a:lstStyle/>
+          <a:p>
+            <a:pPr algn="ctr">
+              <a:lnSpc>
+                <a:spcPct val="90000"/>
+              </a:lnSpc>
+            </a:pPr>
+            <a:r>
+              <a:rPr lang="en-US" dirty="0">
+                <a:solidFill>
+                  <a:schemeClr val="tx1"/>
+                </a:solidFill>
+                <a:latin typeface="+mj-lt"/>
+              </a:rPr>
+              <a:t>“Happy” randomization</a:t>
+            </a:r>
+          </a:p>
+        </p:txBody>
+      </p:sp>
+      <p:pic>
+        <p:nvPicPr>
+          <p:cNvPr id="1026" name="Picture 2" descr="Pharell Williams | Happy pharrell, Pharrell williams happy, Pharrell  williams">
+            <a:extLst>
+              <a:ext uri="{FF2B5EF4-FFF2-40B4-BE49-F238E27FC236}">
+                <a16:creationId xmlns:a16="http://schemas.microsoft.com/office/drawing/2014/main" id="{1D0463EA-13B4-4407-B199-8E2ED7EF6359}"/>
+              </a:ext>
+            </a:extLst>
+          </p:cNvPr>
+          <p:cNvPicPr>
+            <a:picLocks noChangeAspect="1" noChangeArrowheads="1"/>
+          </p:cNvPicPr>
+          <p:nvPr/>
+        </p:nvPicPr>
+        <p:blipFill rotWithShape="1">
+          <a:blip r:embed="rId2">
+            <a:extLst>
+              <a:ext uri="{28A0092B-C50C-407E-A947-70E740481C1C}">
+                <a14:useLocalDpi xmlns:a14="http://schemas.microsoft.com/office/drawing/2010/main" val="0"/>
+              </a:ext>
+            </a:extLst>
+          </a:blip>
+          <a:srcRect r="-1" b="1928"/>
+          <a:stretch/>
+        </p:blipFill>
+        <p:spPr bwMode="auto">
+          <a:xfrm>
+            <a:off x="20" y="10"/>
+            <a:ext cx="6992881" cy="6857990"/>
+          </a:xfrm>
+          <a:prstGeom prst="rect">
+            <a:avLst/>
+          </a:prstGeom>
+          <a:noFill/>
+          <a:extLst>
+            <a:ext uri="{909E8E84-426E-40DD-AFC4-6F175D3DCCD1}">
+              <a14:hiddenFill xmlns:a14="http://schemas.microsoft.com/office/drawing/2010/main">
+                <a:solidFill>
+                  <a:srgbClr val="FFFFFF"/>
+                </a:solidFill>
+              </a14:hiddenFill>
+            </a:ext>
+          </a:extLst>
+        </p:spPr>
+      </p:pic>
+      <p:sp>
+        <p:nvSpPr>
+          <p:cNvPr id="4" name="Slide Number Placeholder 3"/>
+          <p:cNvSpPr>
+            <a:spLocks noGrp="1"/>
+          </p:cNvSpPr>
+          <p:nvPr>
+            <p:ph type="sldNum" sz="quarter" idx="12"/>
+          </p:nvPr>
+        </p:nvSpPr>
+        <p:spPr>
+          <a:xfrm>
+            <a:off x="8610600" y="6356350"/>
+            <a:ext cx="2743200" cy="365125"/>
+          </a:xfrm>
+        </p:spPr>
+        <p:txBody>
+          <a:bodyPr vert="horz" lIns="91440" tIns="45720" rIns="91440" bIns="45720" rtlCol="0" anchor="ctr">
+            <a:normAutofit/>
+          </a:bodyPr>
+          <a:lstStyle/>
+          <a:p>
+            <a:pPr>
+              <a:spcAft>
+                <a:spcPts val="600"/>
+              </a:spcAft>
+              <a:defRPr/>
+            </a:pPr>
+            <a:fld id="{A953BAF0-9579-42B3-B979-30EFD986705E}" type="slidenum">
+              <a:rPr lang="en-US" smtClean="0">
+                <a:solidFill>
+                  <a:prstClr val="black">
+                    <a:tint val="75000"/>
+                  </a:prstClr>
+                </a:solidFill>
+                <a:latin typeface="Calibri" panose="020F0502020204030204"/>
+              </a:rPr>
+              <a:pPr>
+                <a:spcAft>
+                  <a:spcPts val="600"/>
+                </a:spcAft>
+                <a:defRPr/>
+              </a:pPr>
+              <a:t>32</a:t>
+            </a:fld>
+            <a:endParaRPr lang="en-US">
+              <a:solidFill>
+                <a:prstClr val="black">
+                  <a:tint val="75000"/>
+                </a:prstClr>
+              </a:solidFill>
+              <a:latin typeface="Calibri" panose="020F0502020204030204"/>
+            </a:endParaRPr>
           </a:p>
         </p:txBody>
       </p:sp>
@@ -32764,36 +32809,35 @@
             <p:ph type="body" idx="1"/>
           </p:nvPr>
         </p:nvSpPr>
-        <p:spPr/>
-        <p:txBody>
-          <a:bodyPr/>
-          <a:lstStyle/>
-          <a:p>
-            <a:endParaRPr lang="en-US"/>
-          </a:p>
-        </p:txBody>
-      </p:sp>
-      <p:sp>
-        <p:nvSpPr>
-          <p:cNvPr id="4" name="Slide Number Placeholder 3"/>
-          <p:cNvSpPr>
-            <a:spLocks noGrp="1"/>
-          </p:cNvSpPr>
-          <p:nvPr>
-            <p:ph type="sldNum" sz="quarter" idx="12"/>
-          </p:nvPr>
-        </p:nvSpPr>
-        <p:spPr/>
-        <p:txBody>
-          <a:bodyPr/>
-          <a:lstStyle/>
-          <a:p>
-            <a:fld id="{A953BAF0-9579-42B3-B979-30EFD986705E}" type="slidenum">
-              <a:rPr lang="en-US" smtClean="0"/>
-              <a:pPr/>
-              <a:t>32</a:t>
-            </a:fld>
-            <a:endParaRPr lang="en-US"/>
+        <p:spPr>
+          <a:xfrm rot="1825707">
+            <a:off x="2560949" y="3085051"/>
+            <a:ext cx="1692269" cy="1485319"/>
+          </a:xfrm>
+          <a:noFill/>
+        </p:spPr>
+        <p:txBody>
+          <a:bodyPr vert="horz" lIns="91440" tIns="45720" rIns="91440" bIns="45720" rtlCol="0">
+            <a:normAutofit fontScale="92500" lnSpcReduction="20000"/>
+          </a:bodyPr>
+          <a:lstStyle/>
+          <a:p>
+            <a:pPr algn="ctr">
+              <a:lnSpc>
+                <a:spcPct val="90000"/>
+              </a:lnSpc>
+              <a:spcBef>
+                <a:spcPts val="1000"/>
+              </a:spcBef>
+            </a:pPr>
+            <a:r>
+              <a:rPr lang="en-US" sz="1600" dirty="0">
+                <a:solidFill>
+                  <a:srgbClr val="EFBA16"/>
+                </a:solidFill>
+              </a:rPr>
+              <a:t>Clap your hands if your treatment and control groups have no significant  contrasts of measured participant characteristics</a:t>
+            </a:r>
           </a:p>
         </p:txBody>
       </p:sp>
@@ -33142,16 +33186,6 @@
                 <a:cs typeface="Times New Roman" panose="02020603050405020304" pitchFamily="18" charset="0"/>
               </a:rPr>
             </a:br>
-            <a:r>
-              <a:rPr lang="en-US" sz="2400" dirty="0">
-                <a:solidFill>
-                  <a:prstClr val="white"/>
-                </a:solidFill>
-                <a:latin typeface="Century Gothic" panose="020B0502020202020204" pitchFamily="34" charset="0"/>
-                <a:cs typeface="Times New Roman" panose="02020603050405020304" pitchFamily="18" charset="0"/>
-              </a:rPr>
-              <a:t/>
-            </a:r>
             <a:br>
               <a:rPr lang="en-US" sz="2400" dirty="0">
                 <a:solidFill>
@@ -33428,23 +33462,6 @@
               <a:tabLst/>
               <a:defRPr/>
             </a:pPr>
-            <a:r>
-              <a:rPr kumimoji="0" lang="en-US" sz="4000" b="1" i="0" u="none" strike="noStrike" kern="1200" cap="all" spc="0" normalizeH="0" baseline="0" noProof="0" dirty="0">
-                <a:ln>
-                  <a:noFill/>
-                </a:ln>
-                <a:solidFill>
-                  <a:prstClr val="white"/>
-                </a:solidFill>
-                <a:effectLst/>
-                <a:uLnTx/>
-                <a:uFillTx/>
-                <a:latin typeface="Euphemia"/>
-                <a:ea typeface="+mj-ea"/>
-                <a:cs typeface="+mj-cs"/>
-              </a:rPr>
-              <a:t/>
-            </a:r>
             <a:br>
               <a:rPr kumimoji="0" lang="en-US" sz="4000" b="1" i="0" u="none" strike="noStrike" kern="1200" cap="all" spc="0" normalizeH="0" baseline="0" noProof="0" dirty="0">
                 <a:ln>
@@ -33649,23 +33666,6 @@
                 <a:cs typeface="Times New Roman" panose="02020603050405020304" pitchFamily="18" charset="0"/>
               </a:rPr>
               <a:t>level of confidence </a:t>
-            </a:r>
-            <a:r>
-              <a:rPr kumimoji="0" lang="en-US" sz="2400" b="0" i="0" u="none" strike="noStrike" kern="1200" cap="none" spc="0" normalizeH="0" baseline="0" noProof="0" dirty="0">
-                <a:ln>
-                  <a:noFill/>
-                </a:ln>
-                <a:solidFill>
-                  <a:prstClr val="white"/>
-                </a:solidFill>
-                <a:effectLst/>
-                <a:uLnTx/>
-                <a:uFillTx/>
-                <a:latin typeface="Century Gothic" panose="020B0502020202020204" pitchFamily="34" charset="0"/>
-                <a:ea typeface="+mn-ea"/>
-                <a:cs typeface="Times New Roman" panose="02020603050405020304" pitchFamily="18" charset="0"/>
-              </a:rPr>
-              <a:t/>
             </a:r>
             <a:br>
               <a:rPr kumimoji="0" lang="en-US" sz="2400" b="0" i="0" u="none" strike="noStrike" kern="1200" cap="none" spc="0" normalizeH="0" baseline="0" noProof="0" dirty="0">
@@ -33873,23 +33873,6 @@
               <a:tabLst/>
               <a:defRPr/>
             </a:pPr>
-            <a:r>
-              <a:rPr kumimoji="0" lang="en-US" sz="4000" b="1" i="0" u="none" strike="noStrike" kern="1200" cap="all" spc="0" normalizeH="0" baseline="0" noProof="0" dirty="0">
-                <a:ln>
-                  <a:noFill/>
-                </a:ln>
-                <a:solidFill>
-                  <a:prstClr val="white"/>
-                </a:solidFill>
-                <a:effectLst/>
-                <a:uLnTx/>
-                <a:uFillTx/>
-                <a:latin typeface="Euphemia"/>
-                <a:ea typeface="+mj-ea"/>
-                <a:cs typeface="+mj-cs"/>
-              </a:rPr>
-              <a:t/>
-            </a:r>
             <a:br>
               <a:rPr kumimoji="0" lang="en-US" sz="4000" b="1" i="0" u="none" strike="noStrike" kern="1200" cap="all" spc="0" normalizeH="0" baseline="0" noProof="0" dirty="0">
                 <a:ln>
@@ -34037,7 +34020,7 @@
               <a:tabLst/>
               <a:defRPr/>
             </a:pPr>
-            <a:r>
+            <a:br>
               <a:rPr kumimoji="0" lang="en-US" sz="2400" b="0" i="0" u="none" strike="noStrike" kern="1200" cap="none" spc="0" normalizeH="0" baseline="0" noProof="0" dirty="0">
                 <a:ln>
                   <a:noFill/>
@@ -34052,15 +34035,16 @@
                 <a:ea typeface="+mn-ea"/>
                 <a:cs typeface="Times New Roman" panose="02020603050405020304" pitchFamily="18" charset="0"/>
               </a:rPr>
-              <a:t/>
-            </a:r>
-            <a:br>
+            </a:br>
+            <a:r>
               <a:rPr kumimoji="0" lang="en-US" sz="2400" b="0" i="0" u="none" strike="noStrike" kern="1200" cap="none" spc="0" normalizeH="0" baseline="0" noProof="0" dirty="0">
                 <a:ln>
                   <a:noFill/>
                 </a:ln>
                 <a:solidFill>
-                  <a:prstClr val="white"/>
+                  <a:srgbClr val="FFC000">
+                    <a:lumMod val="75000"/>
+                  </a:srgbClr>
                 </a:solidFill>
                 <a:effectLst/>
                 <a:uLnTx/>
@@ -34069,42 +34053,7 @@
                 <a:ea typeface="+mn-ea"/>
                 <a:cs typeface="Times New Roman" panose="02020603050405020304" pitchFamily="18" charset="0"/>
               </a:rPr>
-            </a:br>
-            <a:r>
-              <a:rPr kumimoji="0" lang="en-US" sz="2400" b="0" i="0" u="none" strike="noStrike" kern="1200" cap="none" spc="0" normalizeH="0" baseline="0" noProof="0" dirty="0">
-                <a:ln>
-                  <a:noFill/>
-                </a:ln>
-                <a:solidFill>
-                  <a:srgbClr val="FFC000">
-                    <a:lumMod val="75000"/>
-                  </a:srgbClr>
-                </a:solidFill>
-                <a:effectLst/>
-                <a:uLnTx/>
-                <a:uFillTx/>
-                <a:latin typeface="Century Gothic" panose="020B0502020202020204" pitchFamily="34" charset="0"/>
-                <a:ea typeface="+mn-ea"/>
-                <a:cs typeface="Times New Roman" panose="02020603050405020304" pitchFamily="18" charset="0"/>
-              </a:rPr>
               <a:t>What does alpha=0.05 mean?</a:t>
-            </a:r>
-            <a:r>
-              <a:rPr kumimoji="0" lang="en-US" sz="2400" b="0" i="0" u="none" strike="noStrike" kern="1200" cap="none" spc="0" normalizeH="0" baseline="0" noProof="0" dirty="0">
-                <a:ln>
-                  <a:noFill/>
-                </a:ln>
-                <a:solidFill>
-                  <a:prstClr val="white"/>
-                </a:solidFill>
-                <a:effectLst/>
-                <a:uLnTx/>
-                <a:uFillTx/>
-                <a:latin typeface="Century Gothic" panose="020B0502020202020204" pitchFamily="34" charset="0"/>
-                <a:ea typeface="+mn-ea"/>
-                <a:cs typeface="Times New Roman" panose="02020603050405020304" pitchFamily="18" charset="0"/>
-              </a:rPr>
-              <a:t/>
             </a:r>
             <a:br>
               <a:rPr kumimoji="0" lang="en-US" sz="2400" b="0" i="0" u="none" strike="noStrike" kern="1200" cap="none" spc="0" normalizeH="0" baseline="0" noProof="0" dirty="0">
@@ -34312,23 +34261,6 @@
               <a:tabLst/>
               <a:defRPr/>
             </a:pPr>
-            <a:r>
-              <a:rPr kumimoji="0" lang="en-US" sz="4000" b="1" i="0" u="none" strike="noStrike" kern="1200" cap="all" spc="0" normalizeH="0" baseline="0" noProof="0" dirty="0">
-                <a:ln>
-                  <a:noFill/>
-                </a:ln>
-                <a:solidFill>
-                  <a:prstClr val="white"/>
-                </a:solidFill>
-                <a:effectLst/>
-                <a:uLnTx/>
-                <a:uFillTx/>
-                <a:latin typeface="Euphemia"/>
-                <a:ea typeface="+mj-ea"/>
-                <a:cs typeface="+mj-cs"/>
-              </a:rPr>
-              <a:t/>
-            </a:r>
             <a:br>
               <a:rPr kumimoji="0" lang="en-US" sz="4000" b="1" i="0" u="none" strike="noStrike" kern="1200" cap="all" spc="0" normalizeH="0" baseline="0" noProof="0" dirty="0">
                 <a:ln>
@@ -34473,7 +34405,7 @@
               <a:tabLst/>
               <a:defRPr/>
             </a:pPr>
-            <a:r>
+            <a:br>
               <a:rPr kumimoji="0" lang="en-US" sz="2400" b="0" i="0" u="none" strike="noStrike" kern="1200" cap="none" spc="0" normalizeH="0" baseline="0" noProof="0" dirty="0">
                 <a:ln>
                   <a:noFill/>
@@ -34488,15 +34420,16 @@
                 <a:ea typeface="+mn-ea"/>
                 <a:cs typeface="Times New Roman" panose="02020603050405020304" pitchFamily="18" charset="0"/>
               </a:rPr>
-              <a:t/>
-            </a:r>
-            <a:br>
+            </a:br>
+            <a:r>
               <a:rPr kumimoji="0" lang="en-US" sz="2400" b="0" i="0" u="none" strike="noStrike" kern="1200" cap="none" spc="0" normalizeH="0" baseline="0" noProof="0" dirty="0">
                 <a:ln>
                   <a:noFill/>
                 </a:ln>
                 <a:solidFill>
-                  <a:prstClr val="white"/>
+                  <a:srgbClr val="FFC000">
+                    <a:lumMod val="75000"/>
+                  </a:srgbClr>
                 </a:solidFill>
                 <a:effectLst/>
                 <a:uLnTx/>
@@ -34505,42 +34438,7 @@
                 <a:ea typeface="+mn-ea"/>
                 <a:cs typeface="Times New Roman" panose="02020603050405020304" pitchFamily="18" charset="0"/>
               </a:rPr>
-            </a:br>
-            <a:r>
-              <a:rPr kumimoji="0" lang="en-US" sz="2400" b="0" i="0" u="none" strike="noStrike" kern="1200" cap="none" spc="0" normalizeH="0" baseline="0" noProof="0" dirty="0">
-                <a:ln>
-                  <a:noFill/>
-                </a:ln>
-                <a:solidFill>
-                  <a:srgbClr val="FFC000">
-                    <a:lumMod val="75000"/>
-                  </a:srgbClr>
-                </a:solidFill>
-                <a:effectLst/>
-                <a:uLnTx/>
-                <a:uFillTx/>
-                <a:latin typeface="Century Gothic" panose="020B0502020202020204" pitchFamily="34" charset="0"/>
-                <a:ea typeface="+mn-ea"/>
-                <a:cs typeface="Times New Roman" panose="02020603050405020304" pitchFamily="18" charset="0"/>
-              </a:rPr>
               <a:t>What does alpha=0.05 mean?</a:t>
-            </a:r>
-            <a:r>
-              <a:rPr kumimoji="0" lang="en-US" sz="2400" b="0" i="0" u="none" strike="noStrike" kern="1200" cap="none" spc="0" normalizeH="0" baseline="0" noProof="0" dirty="0">
-                <a:ln>
-                  <a:noFill/>
-                </a:ln>
-                <a:solidFill>
-                  <a:prstClr val="white"/>
-                </a:solidFill>
-                <a:effectLst/>
-                <a:uLnTx/>
-                <a:uFillTx/>
-                <a:latin typeface="Century Gothic" panose="020B0502020202020204" pitchFamily="34" charset="0"/>
-                <a:ea typeface="+mn-ea"/>
-                <a:cs typeface="Times New Roman" panose="02020603050405020304" pitchFamily="18" charset="0"/>
-              </a:rPr>
-              <a:t/>
             </a:r>
             <a:br>
               <a:rPr kumimoji="0" lang="en-US" sz="2400" b="0" i="0" u="none" strike="noStrike" kern="1200" cap="none" spc="0" normalizeH="0" baseline="0" noProof="0" dirty="0">
@@ -35030,7 +34928,7 @@
                 <a14:useLocalDpi xmlns:a14="http://schemas.microsoft.com/office/drawing/2010/main" val="0"/>
               </a:ext>
               <a:ext uri="{96DAC541-7B7A-43D3-8B79-37D633B846F1}">
-                <asvg:svgBlip xmlns="" xmlns:asvg="http://schemas.microsoft.com/office/drawing/2016/SVG/main" r:embed="rId4"/>
+                <asvg:svgBlip xmlns:asvg="http://schemas.microsoft.com/office/drawing/2016/SVG/main" r:embed="rId4"/>
               </a:ext>
             </a:extLst>
           </a:blip>
@@ -35315,16 +35213,6 @@
                 <a:cs typeface="Times New Roman" panose="02020603050405020304" pitchFamily="18" charset="0"/>
               </a:rPr>
             </a:br>
-            <a:r>
-              <a:rPr lang="en-US" sz="2400" dirty="0">
-                <a:solidFill>
-                  <a:prstClr val="black"/>
-                </a:solidFill>
-                <a:latin typeface="Century Gothic" panose="020B0502020202020204" pitchFamily="34" charset="0"/>
-                <a:cs typeface="Times New Roman" panose="02020603050405020304" pitchFamily="18" charset="0"/>
-              </a:rPr>
-              <a:t/>
-            </a:r>
             <a:br>
               <a:rPr lang="en-US" sz="2400" dirty="0">
                 <a:solidFill>
@@ -35493,16 +35381,6 @@
                 <a:cs typeface="Times New Roman" panose="02020603050405020304" pitchFamily="18" charset="0"/>
               </a:rPr>
               <a:t> in measured traits. </a:t>
-            </a:r>
-            <a:r>
-              <a:rPr lang="en-US" sz="1600" dirty="0">
-                <a:solidFill>
-                  <a:prstClr val="black"/>
-                </a:solidFill>
-                <a:latin typeface="Century Gothic" panose="020B0502020202020204" pitchFamily="34" charset="0"/>
-                <a:cs typeface="Times New Roman" panose="02020603050405020304" pitchFamily="18" charset="0"/>
-              </a:rPr>
-              <a:t/>
             </a:r>
             <a:br>
               <a:rPr lang="en-US" sz="1600" dirty="0">
@@ -36589,7 +36467,7 @@
           <a:p>
             <a:pPr algn="ctr"/>
             <a:r>
-              <a:rPr lang="en-US" dirty="0" smtClean="0">
+              <a:rPr lang="en-US" dirty="0">
                 <a:solidFill>
                   <a:schemeClr val="tx1">
                     <a:lumMod val="65000"/>
@@ -36597,39 +36475,7 @@
                   </a:schemeClr>
                 </a:solidFill>
               </a:rPr>
-              <a:t>0.04  </a:t>
-            </a:r>
-            <a:r>
-              <a:rPr lang="en-US" dirty="0">
-                <a:solidFill>
-                  <a:schemeClr val="tx1">
-                    <a:lumMod val="65000"/>
-                    <a:lumOff val="35000"/>
-                  </a:schemeClr>
-                </a:solidFill>
-              </a:rPr>
-              <a:t>&gt;  </a:t>
-            </a:r>
-            <a:r>
-              <a:rPr lang="en-US" dirty="0" smtClean="0">
-                <a:solidFill>
-                  <a:schemeClr val="tx1">
-                    <a:lumMod val="65000"/>
-                    <a:lumOff val="35000"/>
-                  </a:schemeClr>
-                </a:solidFill>
-              </a:rPr>
-              <a:t>0.0071</a:t>
-            </a:r>
-            <a:r>
-              <a:rPr lang="en-US" dirty="0">
-                <a:solidFill>
-                  <a:schemeClr val="accent6">
-                    <a:lumMod val="75000"/>
-                  </a:schemeClr>
-                </a:solidFill>
-              </a:rPr>
-              <a:t/>
+              <a:t>0.04  &gt;  0.0071</a:t>
             </a:r>
             <a:br>
               <a:rPr lang="en-US" dirty="0">
@@ -36775,49 +36621,8 @@
                   </a:schemeClr>
                 </a:solidFill>
               </a:rPr>
-              <a:t>New alpha = </a:t>
-            </a:r>
-            <a:r>
-              <a:rPr lang="en-US" dirty="0" smtClean="0">
-                <a:solidFill>
-                  <a:schemeClr val="tx1">
-                    <a:lumMod val="65000"/>
-                    <a:lumOff val="35000"/>
-                  </a:schemeClr>
-                </a:solidFill>
-              </a:rPr>
-              <a:t>( 0.05 </a:t>
-            </a:r>
-            <a:r>
-              <a:rPr lang="en-US" dirty="0">
-                <a:solidFill>
-                  <a:schemeClr val="tx1">
-                    <a:lumMod val="65000"/>
-                    <a:lumOff val="35000"/>
-                  </a:schemeClr>
-                </a:solidFill>
-              </a:rPr>
-              <a:t>/ </a:t>
-            </a:r>
-            <a:r>
-              <a:rPr lang="en-US" dirty="0" smtClean="0">
-                <a:solidFill>
-                  <a:schemeClr val="tx1">
-                    <a:lumMod val="65000"/>
-                    <a:lumOff val="35000"/>
-                  </a:schemeClr>
-                </a:solidFill>
-              </a:rPr>
-              <a:t>7 )  = 0.0071</a:t>
-            </a:r>
-            <a:endParaRPr lang="en-US" dirty="0">
-              <a:solidFill>
-                <a:schemeClr val="tx1">
-                  <a:lumMod val="65000"/>
-                  <a:lumOff val="35000"/>
-                </a:schemeClr>
-              </a:solidFill>
-            </a:endParaRPr>
+              <a:t>New alpha = ( 0.05 / 7 )  = 0.0071</a:t>
+            </a:r>
           </a:p>
         </p:txBody>
       </p:sp>
@@ -37144,7 +36949,7 @@
           <a:p>
             <a:pPr algn="ctr"/>
             <a:r>
-              <a:rPr lang="en-US" dirty="0" smtClean="0">
+              <a:rPr lang="en-US" dirty="0">
                 <a:solidFill>
                   <a:srgbClr val="E46C0A"/>
                 </a:solidFill>
@@ -37155,7 +36960,7 @@
           <a:p>
             <a:pPr algn="ctr"/>
             <a:r>
-              <a:rPr lang="en-US" dirty="0" smtClean="0">
+              <a:rPr lang="en-US" dirty="0">
                 <a:solidFill>
                   <a:srgbClr val="E46C0A"/>
                 </a:solidFill>
@@ -37166,7 +36971,7 @@
           <a:p>
             <a:pPr algn="ctr"/>
             <a:r>
-              <a:rPr lang="en-US" dirty="0" smtClean="0">
+              <a:rPr lang="en-US" dirty="0">
                 <a:solidFill>
                   <a:srgbClr val="E46C0A"/>
                 </a:solidFill>
@@ -37348,10 +37153,6 @@
                 </a:solidFill>
               </a:rPr>
               <a:t>Vietnam draft </a:t>
-            </a:r>
-            <a:r>
-              <a:rPr lang="en-US" b="1" dirty="0"/>
-              <a:t/>
             </a:r>
             <a:br>
               <a:rPr lang="en-US" b="1" dirty="0"/>
@@ -39771,23 +39572,6 @@
               </a:rPr>
               <a:t>T2</a:t>
             </a:r>
-            <a:r>
-              <a:rPr kumimoji="0" lang="en-US" sz="1400" b="0" i="0" u="none" strike="noStrike" kern="1200" cap="none" spc="0" normalizeH="0" baseline="0" noProof="0" dirty="0">
-                <a:ln>
-                  <a:noFill/>
-                </a:ln>
-                <a:solidFill>
-                  <a:prstClr val="black"/>
-                </a:solidFill>
-                <a:effectLst/>
-                <a:uLnTx/>
-                <a:uFillTx/>
-                <a:latin typeface="Tahoma" charset="0"/>
-                <a:ea typeface="+mn-ea"/>
-                <a:cs typeface="+mn-cs"/>
-              </a:rPr>
-              <a:t/>
-            </a:r>
             <a:br>
               <a:rPr kumimoji="0" lang="en-US" sz="1400" b="0" i="0" u="none" strike="noStrike" kern="1200" cap="none" spc="0" normalizeH="0" baseline="0" noProof="0" dirty="0">
                 <a:ln>
@@ -40972,7 +40756,7 @@
               </a:rPr>
               <a:t>T2 - T1 = 0 </a:t>
             </a:r>
-            <a:r>
+            <a:br>
               <a:rPr kumimoji="0" lang="en-US" sz="1600" b="0" i="0" u="none" strike="noStrike" kern="1200" cap="none" spc="0" normalizeH="0" baseline="0" noProof="0" dirty="0">
                 <a:ln>
                   <a:noFill/>
@@ -40987,9 +40771,8 @@
                 <a:ea typeface="+mn-ea"/>
                 <a:cs typeface="+mn-cs"/>
               </a:rPr>
-              <a:t/>
-            </a:r>
-            <a:br>
+            </a:br>
+            <a:r>
               <a:rPr kumimoji="0" lang="en-US" sz="1600" b="0" i="0" u="none" strike="noStrike" kern="1200" cap="none" spc="0" normalizeH="0" baseline="0" noProof="0" dirty="0">
                 <a:ln>
                   <a:noFill/>
@@ -41004,22 +40787,6 @@
                 <a:ea typeface="+mn-ea"/>
                 <a:cs typeface="+mn-cs"/>
               </a:rPr>
-            </a:br>
-            <a:r>
-              <a:rPr kumimoji="0" lang="en-US" sz="1600" b="0" i="0" u="none" strike="noStrike" kern="1200" cap="none" spc="0" normalizeH="0" baseline="0" noProof="0" dirty="0">
-                <a:ln>
-                  <a:noFill/>
-                </a:ln>
-                <a:solidFill>
-                  <a:srgbClr val="FF6D16"/>
-                </a:solidFill>
-                <a:effectLst/>
-                <a:uLnTx/>
-                <a:uFillTx/>
-                <a:latin typeface="Tahoma" charset="0"/>
-                <a:ea typeface="+mn-ea"/>
-                <a:cs typeface="+mn-cs"/>
-              </a:rPr>
               <a:t>Impact study accurately represents program effects</a:t>
             </a:r>
           </a:p>
@@ -41030,23 +40797,6 @@
                 <a:latin typeface="Tahoma" charset="0"/>
               </a:rPr>
               <a:t>Program is not determined to be effective (no change)</a:t>
-            </a:r>
-            <a:r>
-              <a:rPr kumimoji="0" lang="en-US" sz="1600" b="0" i="0" u="none" strike="noStrike" kern="1200" cap="none" spc="0" normalizeH="0" baseline="0" noProof="0" dirty="0">
-                <a:ln>
-                  <a:noFill/>
-                </a:ln>
-                <a:solidFill>
-                  <a:srgbClr val="FF6D16"/>
-                </a:solidFill>
-                <a:effectLst/>
-                <a:uLnTx/>
-                <a:uFillTx/>
-                <a:latin typeface="Tahoma" charset="0"/>
-                <a:ea typeface="+mn-ea"/>
-                <a:cs typeface="+mn-cs"/>
-              </a:rPr>
-              <a:t/>
             </a:r>
             <a:br>
               <a:rPr kumimoji="0" lang="en-US" sz="1600" b="0" i="0" u="none" strike="noStrike" kern="1200" cap="none" spc="0" normalizeH="0" baseline="0" noProof="0" dirty="0">
@@ -41187,7 +40937,7 @@
                 <a:hlinkClick r:id="rId2">
                   <a:extLst>
                     <a:ext uri="{A12FA001-AC4F-418D-AE19-62706E023703}">
-                      <ahyp:hlinkClr xmlns="" xmlns:ahyp="http://schemas.microsoft.com/office/drawing/2018/hyperlinkcolor" val="tx"/>
+                      <ahyp:hlinkClr xmlns:ahyp="http://schemas.microsoft.com/office/drawing/2018/hyperlinkcolor" val="tx"/>
                     </a:ext>
                   </a:extLst>
                 </a:hlinkClick>
@@ -43423,7 +43173,7 @@
           <a:lstStyle/>
           <a:p>
             <a:r>
-              <a:rPr lang="en-US" sz="4400" dirty="0" smtClean="0">
+              <a:rPr lang="en-US" sz="4400" dirty="0">
                 <a:solidFill>
                   <a:schemeClr val="accent6">
                     <a:lumMod val="75000"/>
@@ -43433,32 +43183,6 @@
               </a:rPr>
               <a:t>What do we mean by “treated”?</a:t>
             </a:r>
-            <a:r>
-              <a:rPr lang="en-US" sz="4400" dirty="0" smtClean="0">
-                <a:solidFill>
-                  <a:schemeClr val="bg1"/>
-                </a:solidFill>
-                <a:latin typeface="Euphemia"/>
-              </a:rPr>
-              <a:t/>
-            </a:r>
-            <a:br>
-              <a:rPr lang="en-US" sz="4400" dirty="0" smtClean="0">
-                <a:solidFill>
-                  <a:schemeClr val="bg1"/>
-                </a:solidFill>
-                <a:latin typeface="Euphemia"/>
-              </a:rPr>
-            </a:br>
-            <a:r>
-              <a:rPr lang="en-US" sz="4400" dirty="0">
-                <a:solidFill>
-                  <a:schemeClr val="bg1"/>
-                </a:solidFill>
-                <a:latin typeface="Euphemia"/>
-              </a:rPr>
-              <a:t/>
-            </a:r>
             <a:br>
               <a:rPr lang="en-US" sz="4400" dirty="0">
                 <a:solidFill>
@@ -43467,17 +43191,25 @@
                 <a:latin typeface="Euphemia"/>
               </a:rPr>
             </a:br>
-            <a:r>
-              <a:rPr lang="en-US" sz="4400" dirty="0" smtClean="0">
+            <a:br>
+              <a:rPr lang="en-US" sz="4400" dirty="0">
                 <a:solidFill>
                   <a:schemeClr val="bg1"/>
                 </a:solidFill>
                 <a:latin typeface="Euphemia"/>
               </a:rPr>
+            </a:br>
+            <a:r>
+              <a:rPr lang="en-US" sz="4400" dirty="0">
+                <a:solidFill>
+                  <a:schemeClr val="bg1"/>
+                </a:solidFill>
+                <a:latin typeface="Euphemia"/>
+              </a:rPr>
               <a:t>How non-compliance</a:t>
             </a:r>
             <a:br>
-              <a:rPr lang="en-US" sz="4400" dirty="0" smtClean="0">
+              <a:rPr lang="en-US" sz="4400" dirty="0">
                 <a:solidFill>
                   <a:schemeClr val="bg1"/>
                 </a:solidFill>
@@ -43485,7 +43217,7 @@
               </a:rPr>
             </a:br>
             <a:r>
-              <a:rPr lang="en-US" sz="4400" dirty="0" smtClean="0">
+              <a:rPr lang="en-US" sz="4400" dirty="0">
                 <a:solidFill>
                   <a:schemeClr val="bg1"/>
                 </a:solidFill>
@@ -43494,7 +43226,7 @@
               <a:t>changes our </a:t>
             </a:r>
             <a:br>
-              <a:rPr lang="en-US" sz="4400" dirty="0" smtClean="0">
+              <a:rPr lang="en-US" sz="4400" dirty="0">
                 <a:solidFill>
                   <a:schemeClr val="bg1"/>
                 </a:solidFill>
@@ -43502,7 +43234,7 @@
               </a:rPr>
             </a:br>
             <a:r>
-              <a:rPr lang="en-US" sz="4400" dirty="0" smtClean="0">
+              <a:rPr lang="en-US" sz="4400" dirty="0">
                 <a:solidFill>
                   <a:schemeClr val="bg1"/>
                 </a:solidFill>
@@ -43511,7 +43243,7 @@
               <a:t>measure of </a:t>
             </a:r>
             <a:br>
-              <a:rPr lang="en-US" sz="4400" dirty="0" smtClean="0">
+              <a:rPr lang="en-US" sz="4400" dirty="0">
                 <a:solidFill>
                   <a:schemeClr val="bg1"/>
                 </a:solidFill>
@@ -43519,7 +43251,7 @@
               </a:rPr>
             </a:br>
             <a:r>
-              <a:rPr lang="en-US" sz="4400" dirty="0" smtClean="0">
+              <a:rPr lang="en-US" sz="4400" dirty="0">
                 <a:solidFill>
                   <a:schemeClr val="bg1"/>
                 </a:solidFill>
@@ -43527,12 +43259,6 @@
               </a:rPr>
               <a:t>effects</a:t>
             </a:r>
-            <a:endParaRPr lang="en-US" sz="4400" dirty="0">
-              <a:solidFill>
-                <a:schemeClr val="bg1"/>
-              </a:solidFill>
-              <a:latin typeface="Euphemia"/>
-            </a:endParaRPr>
           </a:p>
         </p:txBody>
       </p:sp>
@@ -44025,7 +43751,7 @@
               <a:defRPr/>
             </a:pPr>
             <a:r>
-              <a:rPr kumimoji="0" lang="en-US" sz="1800" b="1" i="0" u="none" strike="noStrike" kern="1200" cap="none" spc="0" normalizeH="0" baseline="0" noProof="0" dirty="0" smtClean="0">
+              <a:rPr kumimoji="0" lang="en-US" sz="1800" b="1" i="0" u="none" strike="noStrike" kern="1200" cap="none" spc="0" normalizeH="0" baseline="0" noProof="0" dirty="0">
                 <a:ln>
                   <a:noFill/>
                 </a:ln>
@@ -44042,7 +43768,7 @@
               <a:t>What is the </a:t>
             </a:r>
             <a:r>
-              <a:rPr lang="en-US" b="1" dirty="0" smtClean="0">
+              <a:rPr lang="en-US" b="1" dirty="0">
                 <a:solidFill>
                   <a:prstClr val="black"/>
                 </a:solidFill>
@@ -44051,7 +43777,7 @@
               <a:t>TRUE </a:t>
             </a:r>
             <a:r>
-              <a:rPr kumimoji="0" lang="en-US" sz="1800" b="1" i="0" u="none" strike="noStrike" kern="1200" cap="none" spc="0" normalizeH="0" baseline="0" noProof="0" dirty="0" smtClean="0">
+              <a:rPr kumimoji="0" lang="en-US" sz="1800" b="1" i="0" u="none" strike="noStrike" kern="1200" cap="none" spc="0" normalizeH="0" baseline="0" noProof="0" dirty="0">
                 <a:ln>
                   <a:noFill/>
                 </a:ln>
@@ -44068,7 +43794,7 @@
               <a:t>effectiveness of the app?</a:t>
             </a:r>
             <a:br>
-              <a:rPr kumimoji="0" lang="en-US" sz="1800" b="1" i="0" u="none" strike="noStrike" kern="1200" cap="none" spc="0" normalizeH="0" baseline="0" noProof="0" dirty="0" smtClean="0">
+              <a:rPr kumimoji="0" lang="en-US" sz="1800" b="1" i="0" u="none" strike="noStrike" kern="1200" cap="none" spc="0" normalizeH="0" baseline="0" noProof="0" dirty="0">
                 <a:ln>
                   <a:noFill/>
                 </a:ln>
@@ -44084,7 +43810,7 @@
               </a:rPr>
             </a:br>
             <a:r>
-              <a:rPr kumimoji="0" lang="en-US" sz="1800" b="1" i="0" u="none" strike="noStrike" kern="1200" cap="none" spc="0" normalizeH="0" baseline="0" noProof="0" dirty="0" smtClean="0">
+              <a:rPr kumimoji="0" lang="en-US" sz="1800" b="1" i="0" u="none" strike="noStrike" kern="1200" cap="none" spc="0" normalizeH="0" baseline="0" noProof="0" dirty="0">
                 <a:ln>
                   <a:noFill/>
                 </a:ln>
@@ -44101,7 +43827,7 @@
               <a:t> </a:t>
             </a:r>
             <a:br>
-              <a:rPr kumimoji="0" lang="en-US" sz="1800" b="1" i="0" u="none" strike="noStrike" kern="1200" cap="none" spc="0" normalizeH="0" baseline="0" noProof="0" dirty="0" smtClean="0">
+              <a:rPr kumimoji="0" lang="en-US" sz="1800" b="1" i="0" u="none" strike="noStrike" kern="1200" cap="none" spc="0" normalizeH="0" baseline="0" noProof="0" dirty="0">
                 <a:ln>
                   <a:noFill/>
                 </a:ln>
@@ -44117,7 +43843,7 @@
               </a:rPr>
             </a:br>
             <a:r>
-              <a:rPr kumimoji="0" lang="en-US" sz="1800" b="1" i="0" u="none" strike="noStrike" kern="1200" cap="none" spc="0" normalizeH="0" baseline="0" noProof="0" dirty="0" smtClean="0">
+              <a:rPr kumimoji="0" lang="en-US" sz="1800" b="1" i="0" u="none" strike="noStrike" kern="1200" cap="none" spc="0" normalizeH="0" baseline="0" noProof="0" dirty="0">
                 <a:ln>
                   <a:noFill/>
                 </a:ln>
@@ -44131,24 +43857,7 @@
                 <a:ea typeface="+mn-ea"/>
                 <a:cs typeface="+mn-cs"/>
               </a:rPr>
-              <a:t>99.5 </a:t>
-            </a:r>
-            <a:r>
-              <a:rPr kumimoji="0" lang="en-US" sz="1800" b="1" i="0" u="none" strike="noStrike" kern="1200" cap="none" spc="0" normalizeH="0" baseline="0" noProof="0" dirty="0">
-                <a:ln>
-                  <a:noFill/>
-                </a:ln>
-                <a:solidFill>
-                  <a:prstClr val="black"/>
-                </a:solidFill>
-                <a:effectLst/>
-                <a:uLnTx/>
-                <a:uFillTx/>
-                <a:latin typeface="Calibri"/>
-                <a:ea typeface="+mn-ea"/>
-                <a:cs typeface="+mn-cs"/>
-              </a:rPr>
-              <a:t>percent, or 93 percent?</a:t>
+              <a:t>99.5 percent, or 93 percent?</a:t>
             </a:r>
           </a:p>
         </p:txBody>
@@ -44351,13 +44060,6 @@
   <p:clrMapOvr>
     <a:masterClrMapping/>
   </p:clrMapOvr>
-  <p:timing>
-    <p:tnLst>
-      <p:par>
-        <p:cTn id="1" dur="indefinite" restart="never" nodeType="tmRoot"/>
-      </p:par>
-    </p:tnLst>
-  </p:timing>
 </p:sld>
 </file>
 
@@ -44532,39 +44234,8 @@
                 <a:ea typeface="+mn-ea"/>
                 <a:cs typeface="+mn-cs"/>
               </a:rPr>
-              <a:t>Program Effect =  </a:t>
-            </a:r>
-            <a:r>
-              <a:rPr kumimoji="0" lang="en-US" sz="2400" b="0" i="0" u="none" strike="noStrike" kern="1200" cap="none" spc="0" normalizeH="0" baseline="0" noProof="0" dirty="0" smtClean="0">
-                <a:ln>
-                  <a:noFill/>
-                </a:ln>
-                <a:solidFill>
-                  <a:prstClr val="black"/>
-                </a:solidFill>
-                <a:effectLst/>
-                <a:uLnTx/>
-                <a:uFillTx/>
-                <a:latin typeface="Calibri"/>
-                <a:ea typeface="+mn-ea"/>
-                <a:cs typeface="+mn-cs"/>
-              </a:rPr>
-              <a:t>T2 – C2</a:t>
-            </a:r>
-            <a:endParaRPr kumimoji="0" lang="en-US" sz="2400" b="0" i="0" u="none" strike="noStrike" kern="1200" cap="none" spc="0" normalizeH="0" baseline="0" noProof="0" dirty="0">
-              <a:ln>
-                <a:noFill/>
-              </a:ln>
-              <a:solidFill>
-                <a:prstClr val="black"/>
-              </a:solidFill>
-              <a:effectLst/>
-              <a:uLnTx/>
-              <a:uFillTx/>
-              <a:latin typeface="Calibri"/>
-              <a:ea typeface="+mn-ea"/>
-              <a:cs typeface="+mn-cs"/>
-            </a:endParaRPr>
+              <a:t>Program Effect =  T2 – C2</a:t>
+            </a:r>
           </a:p>
           <a:p>
             <a:pPr marL="0" marR="0" lvl="0" indent="0" algn="l" defTabSz="914400" rtl="0" eaLnBrk="1" fontAlgn="auto" latinLnBrk="0" hangingPunct="1">
@@ -44632,109 +44303,7 @@
                 <a:ea typeface="+mn-ea"/>
                 <a:cs typeface="+mn-cs"/>
               </a:rPr>
-              <a:t>Is Group T </a:t>
-            </a:r>
-            <a:r>
-              <a:rPr kumimoji="0" lang="en-US" sz="1800" b="0" i="0" u="none" strike="noStrike" kern="1200" cap="none" spc="0" normalizeH="0" baseline="0" noProof="0" dirty="0" smtClean="0">
-                <a:ln>
-                  <a:noFill/>
-                </a:ln>
-                <a:solidFill>
-                  <a:prstClr val="black"/>
-                </a:solidFill>
-                <a:effectLst/>
-                <a:uLnTx/>
-                <a:uFillTx/>
-                <a:latin typeface="Calibri"/>
-                <a:ea typeface="+mn-ea"/>
-                <a:cs typeface="+mn-cs"/>
-              </a:rPr>
-              <a:t>(for treatment) those </a:t>
-            </a:r>
-            <a:r>
-              <a:rPr kumimoji="0" lang="en-US" sz="1800" b="0" i="0" u="none" strike="noStrike" kern="1200" cap="none" spc="0" normalizeH="0" baseline="0" noProof="0" dirty="0">
-                <a:ln>
-                  <a:noFill/>
-                </a:ln>
-                <a:solidFill>
-                  <a:prstClr val="black"/>
-                </a:solidFill>
-                <a:effectLst/>
-                <a:uLnTx/>
-                <a:uFillTx/>
-                <a:latin typeface="Calibri"/>
-                <a:ea typeface="+mn-ea"/>
-                <a:cs typeface="+mn-cs"/>
-              </a:rPr>
-              <a:t>that are </a:t>
-            </a:r>
-            <a:r>
-              <a:rPr kumimoji="0" lang="en-US" sz="1800" b="0" i="0" u="none" strike="noStrike" kern="1200" cap="none" spc="0" normalizeH="0" baseline="0" noProof="0" dirty="0" smtClean="0">
-                <a:ln>
-                  <a:noFill/>
-                </a:ln>
-                <a:solidFill>
-                  <a:prstClr val="black"/>
-                </a:solidFill>
-                <a:effectLst/>
-                <a:uLnTx/>
-                <a:uFillTx/>
-                <a:latin typeface="Calibri"/>
-                <a:ea typeface="+mn-ea"/>
-                <a:cs typeface="+mn-cs"/>
-              </a:rPr>
-              <a:t>GIVEN </a:t>
-            </a:r>
-            <a:r>
-              <a:rPr kumimoji="0" lang="en-US" sz="1800" b="0" i="0" u="none" strike="noStrike" kern="1200" cap="none" spc="0" normalizeH="0" baseline="0" noProof="0" dirty="0">
-                <a:ln>
-                  <a:noFill/>
-                </a:ln>
-                <a:solidFill>
-                  <a:prstClr val="black"/>
-                </a:solidFill>
-                <a:effectLst/>
-                <a:uLnTx/>
-                <a:uFillTx/>
-                <a:latin typeface="Calibri"/>
-                <a:ea typeface="+mn-ea"/>
-                <a:cs typeface="+mn-cs"/>
-              </a:rPr>
-              <a:t>bed nets, or those that </a:t>
-            </a:r>
-            <a:r>
-              <a:rPr kumimoji="0" lang="en-US" sz="1800" b="0" i="0" u="none" strike="noStrike" kern="1200" cap="none" spc="0" normalizeH="0" baseline="0" noProof="0" dirty="0" smtClean="0">
-                <a:ln>
-                  <a:noFill/>
-                </a:ln>
-                <a:solidFill>
-                  <a:prstClr val="black"/>
-                </a:solidFill>
-                <a:effectLst/>
-                <a:uLnTx/>
-                <a:uFillTx/>
-                <a:latin typeface="Calibri"/>
-                <a:ea typeface="+mn-ea"/>
-                <a:cs typeface="+mn-cs"/>
-              </a:rPr>
-              <a:t>USE </a:t>
-            </a:r>
-            <a:r>
-              <a:rPr kumimoji="0" lang="en-US" sz="1800" b="0" i="0" u="none" strike="noStrike" kern="1200" cap="none" spc="0" normalizeH="0" baseline="0" noProof="0" dirty="0">
-                <a:ln>
-                  <a:noFill/>
-                </a:ln>
-                <a:solidFill>
-                  <a:prstClr val="black"/>
-                </a:solidFill>
-                <a:effectLst/>
-                <a:uLnTx/>
-                <a:uFillTx/>
-                <a:latin typeface="Calibri"/>
-                <a:ea typeface="+mn-ea"/>
-                <a:cs typeface="+mn-cs"/>
-              </a:rPr>
-              <a:t>them? </a:t>
+              <a:t>Is Group T (for treatment) those that are GIVEN bed nets, or those that USE them? </a:t>
             </a:r>
           </a:p>
         </p:txBody>
@@ -45828,7 +45397,7 @@
               <a:defRPr/>
             </a:pPr>
             <a:r>
-              <a:rPr kumimoji="0" lang="en-US" sz="1800" i="0" u="none" strike="noStrike" kern="1200" cap="none" spc="0" normalizeH="0" baseline="0" noProof="0" dirty="0" smtClean="0">
+              <a:rPr kumimoji="0" lang="en-US" sz="1800" i="0" u="none" strike="noStrike" kern="1200" cap="none" spc="0" normalizeH="0" baseline="0" noProof="0" dirty="0">
                 <a:ln>
                   <a:noFill/>
                 </a:ln>
@@ -45859,7 +45428,7 @@
               <a:defRPr/>
             </a:pPr>
             <a:r>
-              <a:rPr lang="en-US" dirty="0" smtClean="0">
+              <a:rPr lang="en-US" dirty="0">
                 <a:latin typeface="Calibri"/>
               </a:rPr>
               <a:t>on the </a:t>
@@ -45884,7 +45453,7 @@
               <a:defRPr/>
             </a:pPr>
             <a:r>
-              <a:rPr kumimoji="0" lang="en-US" sz="1800" i="0" u="none" strike="noStrike" kern="1200" cap="none" spc="0" normalizeH="0" baseline="0" noProof="0" dirty="0" smtClean="0">
+              <a:rPr kumimoji="0" lang="en-US" sz="1800" i="0" u="none" strike="noStrike" kern="1200" cap="none" spc="0" normalizeH="0" baseline="0" noProof="0" dirty="0">
                 <a:ln>
                   <a:noFill/>
                 </a:ln>
@@ -45896,7 +45465,7 @@
               <a:t>Treated”</a:t>
             </a:r>
             <a:br>
-              <a:rPr kumimoji="0" lang="en-US" sz="1800" i="0" u="none" strike="noStrike" kern="1200" cap="none" spc="0" normalizeH="0" baseline="0" noProof="0" dirty="0" smtClean="0">
+              <a:rPr kumimoji="0" lang="en-US" sz="1800" i="0" u="none" strike="noStrike" kern="1200" cap="none" spc="0" normalizeH="0" baseline="0" noProof="0" dirty="0">
                 <a:ln>
                   <a:noFill/>
                 </a:ln>
@@ -45907,7 +45476,7 @@
               </a:rPr>
             </a:br>
             <a:r>
-              <a:rPr kumimoji="0" lang="en-US" sz="1800" i="0" u="none" strike="noStrike" kern="1200" cap="none" spc="0" normalizeH="0" baseline="0" noProof="0" dirty="0" smtClean="0">
+              <a:rPr kumimoji="0" lang="en-US" sz="1800" i="0" u="none" strike="noStrike" kern="1200" cap="none" spc="0" normalizeH="0" baseline="0" noProof="0" dirty="0">
                 <a:ln>
                   <a:noFill/>
                 </a:ln>
@@ -45918,15 +45487,6 @@
               </a:rPr>
               <a:t>Estimate</a:t>
             </a:r>
-            <a:endParaRPr kumimoji="0" lang="en-US" sz="1800" i="0" u="none" strike="noStrike" kern="1200" cap="none" spc="0" normalizeH="0" baseline="0" noProof="0" dirty="0">
-              <a:ln>
-                <a:noFill/>
-              </a:ln>
-              <a:effectLst/>
-              <a:uLnTx/>
-              <a:uFillTx/>
-              <a:latin typeface="Calibri"/>
-            </a:endParaRPr>
           </a:p>
         </p:txBody>
       </p:sp>
@@ -45970,7 +45530,7 @@
               <a:defRPr/>
             </a:pPr>
             <a:r>
-              <a:rPr kumimoji="0" lang="en-US" sz="1800" i="0" u="none" strike="noStrike" kern="1200" cap="none" spc="0" normalizeH="0" baseline="0" noProof="0" dirty="0" smtClean="0">
+              <a:rPr kumimoji="0" lang="en-US" sz="1800" i="0" u="none" strike="noStrike" kern="1200" cap="none" spc="0" normalizeH="0" baseline="0" noProof="0" dirty="0">
                 <a:ln>
                   <a:noFill/>
                 </a:ln>
@@ -46001,7 +45561,7 @@
               <a:defRPr/>
             </a:pPr>
             <a:r>
-              <a:rPr kumimoji="0" lang="en-US" sz="1800" i="0" u="none" strike="noStrike" kern="1200" cap="none" spc="0" normalizeH="0" baseline="0" noProof="0" dirty="0" smtClean="0">
+              <a:rPr kumimoji="0" lang="en-US" sz="1800" i="0" u="none" strike="noStrike" kern="1200" cap="none" spc="0" normalizeH="0" baseline="0" noProof="0" dirty="0">
                 <a:ln>
                   <a:noFill/>
                 </a:ln>
@@ -46013,7 +45573,7 @@
               <a:t>to Treat”</a:t>
             </a:r>
             <a:br>
-              <a:rPr kumimoji="0" lang="en-US" sz="1800" i="0" u="none" strike="noStrike" kern="1200" cap="none" spc="0" normalizeH="0" baseline="0" noProof="0" dirty="0" smtClean="0">
+              <a:rPr kumimoji="0" lang="en-US" sz="1800" i="0" u="none" strike="noStrike" kern="1200" cap="none" spc="0" normalizeH="0" baseline="0" noProof="0" dirty="0">
                 <a:ln>
                   <a:noFill/>
                 </a:ln>
@@ -46024,7 +45584,7 @@
               </a:rPr>
             </a:br>
             <a:r>
-              <a:rPr kumimoji="0" lang="en-US" sz="1800" i="0" u="none" strike="noStrike" kern="1200" cap="none" spc="0" normalizeH="0" baseline="0" noProof="0" dirty="0" smtClean="0">
+              <a:rPr kumimoji="0" lang="en-US" sz="1800" i="0" u="none" strike="noStrike" kern="1200" cap="none" spc="0" normalizeH="0" baseline="0" noProof="0" dirty="0">
                 <a:ln>
                   <a:noFill/>
                 </a:ln>
@@ -46035,15 +45595,6 @@
               </a:rPr>
               <a:t>Estimate</a:t>
             </a:r>
-            <a:endParaRPr kumimoji="0" lang="en-US" sz="1800" i="0" u="none" strike="noStrike" kern="1200" cap="none" spc="0" normalizeH="0" baseline="0" noProof="0" dirty="0">
-              <a:ln>
-                <a:noFill/>
-              </a:ln>
-              <a:effectLst/>
-              <a:uLnTx/>
-              <a:uFillTx/>
-              <a:latin typeface="Calibri"/>
-            </a:endParaRPr>
           </a:p>
         </p:txBody>
       </p:sp>
@@ -46071,7 +45622,7 @@
           <a:p>
             <a:pPr algn="ctr"/>
             <a:r>
-              <a:rPr lang="en-US" dirty="0" smtClean="0">
+              <a:rPr lang="en-US" dirty="0">
                 <a:solidFill>
                   <a:schemeClr val="accent6">
                     <a:lumMod val="75000"/>
@@ -46085,7 +45636,7 @@
           <a:p>
             <a:pPr algn="ctr"/>
             <a:r>
-              <a:rPr lang="en-US" dirty="0" smtClean="0">
+              <a:rPr lang="en-US" dirty="0">
                 <a:solidFill>
                   <a:schemeClr val="accent6">
                     <a:lumMod val="75000"/>
@@ -46099,7 +45650,7 @@
           <a:p>
             <a:pPr algn="ctr"/>
             <a:r>
-              <a:rPr lang="en-US" dirty="0" smtClean="0">
+              <a:rPr lang="en-US" dirty="0">
                 <a:solidFill>
                   <a:schemeClr val="accent6">
                     <a:lumMod val="75000"/>
@@ -46113,7 +45664,7 @@
           <a:p>
             <a:pPr algn="ctr"/>
             <a:r>
-              <a:rPr lang="en-US" dirty="0" smtClean="0">
+              <a:rPr lang="en-US" dirty="0">
                 <a:solidFill>
                   <a:schemeClr val="accent6">
                     <a:lumMod val="75000"/>
@@ -46172,10 +45723,9 @@
           <a:lstStyle/>
           <a:p>
             <a:r>
-              <a:rPr lang="en-US" dirty="0" smtClean="0"/>
+              <a:rPr lang="en-US" dirty="0"/>
               <a:t>Why do we need two measures?</a:t>
             </a:r>
-            <a:endParaRPr lang="en-US" dirty="0"/>
           </a:p>
         </p:txBody>
       </p:sp>
@@ -46431,7 +45981,7 @@
               <a:defRPr/>
             </a:pPr>
             <a:r>
-              <a:rPr kumimoji="0" lang="en-US" sz="1800" b="0" i="0" u="none" strike="noStrike" kern="1200" cap="none" spc="0" normalizeH="0" baseline="0" noProof="0" dirty="0" smtClean="0">
+              <a:rPr kumimoji="0" lang="en-US" sz="1800" b="0" i="0" u="none" strike="noStrike" kern="1200" cap="none" spc="0" normalizeH="0" baseline="0" noProof="0" dirty="0">
                 <a:ln>
                   <a:noFill/>
                 </a:ln>
@@ -46469,7 +46019,7 @@
               <a:defRPr/>
             </a:pPr>
             <a:r>
-              <a:rPr kumimoji="0" lang="en-US" sz="1800" b="0" i="0" u="none" strike="noStrike" kern="1200" cap="none" spc="0" normalizeH="0" baseline="0" noProof="0" dirty="0" smtClean="0">
+              <a:rPr kumimoji="0" lang="en-US" sz="1800" b="0" i="0" u="none" strike="noStrike" kern="1200" cap="none" spc="0" normalizeH="0" baseline="0" noProof="0" dirty="0">
                 <a:ln>
                   <a:noFill/>
                 </a:ln>
@@ -46507,7 +46057,7 @@
               <a:defRPr/>
             </a:pPr>
             <a:r>
-              <a:rPr kumimoji="0" lang="en-US" sz="1800" b="0" i="0" u="none" strike="noStrike" kern="1200" cap="none" spc="0" normalizeH="0" baseline="0" noProof="0" dirty="0" smtClean="0">
+              <a:rPr kumimoji="0" lang="en-US" sz="1800" b="0" i="0" u="none" strike="noStrike" kern="1200" cap="none" spc="0" normalizeH="0" baseline="0" noProof="0" dirty="0">
                 <a:ln>
                   <a:noFill/>
                 </a:ln>
@@ -46526,7 +46076,7 @@
               <a:t>Treated”</a:t>
             </a:r>
             <a:br>
-              <a:rPr kumimoji="0" lang="en-US" sz="1800" b="0" i="0" u="none" strike="noStrike" kern="1200" cap="none" spc="0" normalizeH="0" baseline="0" noProof="0" dirty="0" smtClean="0">
+              <a:rPr kumimoji="0" lang="en-US" sz="1800" b="0" i="0" u="none" strike="noStrike" kern="1200" cap="none" spc="0" normalizeH="0" baseline="0" noProof="0" dirty="0">
                 <a:ln>
                   <a:noFill/>
                 </a:ln>
@@ -46544,7 +46094,7 @@
               </a:rPr>
             </a:br>
             <a:r>
-              <a:rPr kumimoji="0" lang="en-US" sz="1800" b="0" i="0" u="none" strike="noStrike" kern="1200" cap="none" spc="0" normalizeH="0" baseline="0" noProof="0" dirty="0" smtClean="0">
+              <a:rPr kumimoji="0" lang="en-US" sz="1800" b="0" i="0" u="none" strike="noStrike" kern="1200" cap="none" spc="0" normalizeH="0" baseline="0" noProof="0" dirty="0">
                 <a:ln>
                   <a:noFill/>
                 </a:ln>
@@ -46562,22 +46112,6 @@
               </a:rPr>
               <a:t>Estimate</a:t>
             </a:r>
-            <a:endParaRPr kumimoji="0" lang="en-US" sz="1800" b="0" i="0" u="none" strike="noStrike" kern="1200" cap="none" spc="0" normalizeH="0" baseline="0" noProof="0" dirty="0">
-              <a:ln>
-                <a:noFill/>
-              </a:ln>
-              <a:solidFill>
-                <a:schemeClr val="accent3">
-                  <a:lumMod val="75000"/>
-                </a:schemeClr>
-              </a:solidFill>
-              <a:effectLst/>
-              <a:uLnTx/>
-              <a:uFillTx/>
-              <a:latin typeface="Calibri"/>
-              <a:ea typeface="+mn-ea"/>
-              <a:cs typeface="+mn-cs"/>
-            </a:endParaRPr>
           </a:p>
         </p:txBody>
       </p:sp>
@@ -46621,7 +46155,7 @@
               <a:defRPr/>
             </a:pPr>
             <a:r>
-              <a:rPr kumimoji="0" lang="en-US" sz="1800" b="0" i="0" u="none" strike="noStrike" kern="1200" cap="none" spc="0" normalizeH="0" baseline="0" noProof="0" dirty="0" smtClean="0">
+              <a:rPr kumimoji="0" lang="en-US" sz="1800" b="0" i="0" u="none" strike="noStrike" kern="1200" cap="none" spc="0" normalizeH="0" baseline="0" noProof="0" dirty="0">
                 <a:ln>
                   <a:noFill/>
                 </a:ln>
@@ -46657,7 +46191,7 @@
               <a:defRPr/>
             </a:pPr>
             <a:r>
-              <a:rPr kumimoji="0" lang="en-US" sz="1800" b="0" i="0" u="none" strike="noStrike" kern="1200" cap="none" spc="0" normalizeH="0" baseline="0" noProof="0" dirty="0" smtClean="0">
+              <a:rPr kumimoji="0" lang="en-US" sz="1800" b="0" i="0" u="none" strike="noStrike" kern="1200" cap="none" spc="0" normalizeH="0" baseline="0" noProof="0" dirty="0">
                 <a:ln>
                   <a:noFill/>
                 </a:ln>
@@ -46674,7 +46208,7 @@
               <a:t>to Treat”</a:t>
             </a:r>
             <a:br>
-              <a:rPr kumimoji="0" lang="en-US" sz="1800" b="0" i="0" u="none" strike="noStrike" kern="1200" cap="none" spc="0" normalizeH="0" baseline="0" noProof="0" dirty="0" smtClean="0">
+              <a:rPr kumimoji="0" lang="en-US" sz="1800" b="0" i="0" u="none" strike="noStrike" kern="1200" cap="none" spc="0" normalizeH="0" baseline="0" noProof="0" dirty="0">
                 <a:ln>
                   <a:noFill/>
                 </a:ln>
@@ -46690,7 +46224,7 @@
               </a:rPr>
             </a:br>
             <a:r>
-              <a:rPr kumimoji="0" lang="en-US" sz="1800" b="0" i="0" u="none" strike="noStrike" kern="1200" cap="none" spc="0" normalizeH="0" baseline="0" noProof="0" dirty="0" smtClean="0">
+              <a:rPr kumimoji="0" lang="en-US" sz="1800" b="0" i="0" u="none" strike="noStrike" kern="1200" cap="none" spc="0" normalizeH="0" baseline="0" noProof="0" dirty="0">
                 <a:ln>
                   <a:noFill/>
                 </a:ln>
@@ -46706,20 +46240,6 @@
               </a:rPr>
               <a:t>Estimate</a:t>
             </a:r>
-            <a:endParaRPr kumimoji="0" lang="en-US" sz="1800" b="0" i="0" u="none" strike="noStrike" kern="1200" cap="none" spc="0" normalizeH="0" baseline="0" noProof="0" dirty="0">
-              <a:ln>
-                <a:noFill/>
-              </a:ln>
-              <a:solidFill>
-                <a:srgbClr val="4F81BD"/>
-              </a:solidFill>
-              <a:effectLst/>
-              <a:uLnTx/>
-              <a:uFillTx/>
-              <a:latin typeface="Calibri"/>
-              <a:ea typeface="+mn-ea"/>
-              <a:cs typeface="+mn-cs"/>
-            </a:endParaRPr>
           </a:p>
         </p:txBody>
       </p:sp>
@@ -46746,7 +46266,7 @@
           <a:lstStyle/>
           <a:p>
             <a:r>
-              <a:rPr lang="en-US" b="1" cap="small" dirty="0" smtClean="0">
+              <a:rPr lang="en-US" b="1" cap="small" dirty="0">
                 <a:solidFill>
                   <a:schemeClr val="accent3">
                     <a:lumMod val="75000"/>
@@ -46756,16 +46276,16 @@
               <a:t>The TOT Measure </a:t>
             </a:r>
             <a:r>
-              <a:rPr lang="en-US" dirty="0" smtClean="0"/>
+              <a:rPr lang="en-US" dirty="0"/>
               <a:t>is the optimistic or best-case scenario. It tells us how effective the program or intervention is when followed with HIGH FIDELITY.  </a:t>
             </a:r>
           </a:p>
           <a:p>
-            <a:endParaRPr lang="en-US" dirty="0" smtClean="0"/>
-          </a:p>
-          <a:p>
-            <a:r>
-              <a:rPr lang="en-US" b="1" cap="small" dirty="0" smtClean="0">
+            <a:endParaRPr lang="en-US" dirty="0"/>
+          </a:p>
+          <a:p>
+            <a:r>
+              <a:rPr lang="en-US" b="1" cap="small" dirty="0">
                 <a:solidFill>
                   <a:srgbClr val="4F81BD"/>
                 </a:solidFill>
@@ -46773,7 +46293,7 @@
               <a:t>The ITT Measure </a:t>
             </a:r>
             <a:r>
-              <a:rPr lang="en-US" dirty="0" smtClean="0"/>
+              <a:rPr lang="en-US" dirty="0"/>
               <a:t>is the more cynical or realistic version. We never expect that programs work exactly as designed. The ITT is closer to a measure of how the laboratory equipment works once it’s in the field. It is also a better estimate of how much change we can expect at the population level. </a:t>
             </a:r>
           </a:p>
@@ -46782,10 +46302,9 @@
           </a:p>
           <a:p>
             <a:r>
-              <a:rPr lang="en-US" dirty="0" smtClean="0"/>
+              <a:rPr lang="en-US" dirty="0"/>
               <a:t>The different between the TOT and the ITT tells us how many gains can be made by improving program implementation! So both are useful and important! </a:t>
             </a:r>
-            <a:endParaRPr lang="en-US" dirty="0"/>
           </a:p>
         </p:txBody>
       </p:sp>
@@ -47477,13 +46996,6 @@
   <p:clrMapOvr>
     <a:masterClrMapping/>
   </p:clrMapOvr>
-  <p:timing>
-    <p:tnLst>
-      <p:par>
-        <p:cTn id="1" dur="indefinite" restart="never" nodeType="tmRoot"/>
-      </p:par>
-    </p:tnLst>
-  </p:timing>
 </p:sld>
 </file>
 
@@ -47520,10 +47032,9 @@
           <a:lstStyle/>
           <a:p>
             <a:r>
-              <a:rPr lang="en-US" dirty="0" smtClean="0"/>
+              <a:rPr lang="en-US" dirty="0"/>
               <a:t>NOTE !!!</a:t>
             </a:r>
-            <a:endParaRPr lang="en-US" dirty="0"/>
           </a:p>
         </p:txBody>
       </p:sp>
@@ -47779,7 +47290,7 @@
               <a:defRPr/>
             </a:pPr>
             <a:r>
-              <a:rPr kumimoji="0" lang="en-US" sz="1800" b="0" i="0" u="none" strike="noStrike" kern="1200" cap="none" spc="0" normalizeH="0" baseline="0" noProof="0" dirty="0" smtClean="0">
+              <a:rPr kumimoji="0" lang="en-US" sz="1800" b="0" i="0" u="none" strike="noStrike" kern="1200" cap="none" spc="0" normalizeH="0" baseline="0" noProof="0" dirty="0">
                 <a:ln>
                   <a:noFill/>
                 </a:ln>
@@ -47817,7 +47328,7 @@
               <a:defRPr/>
             </a:pPr>
             <a:r>
-              <a:rPr kumimoji="0" lang="en-US" sz="1800" b="0" i="0" u="none" strike="noStrike" kern="1200" cap="none" spc="0" normalizeH="0" baseline="0" noProof="0" dirty="0" smtClean="0">
+              <a:rPr kumimoji="0" lang="en-US" sz="1800" b="0" i="0" u="none" strike="noStrike" kern="1200" cap="none" spc="0" normalizeH="0" baseline="0" noProof="0" dirty="0">
                 <a:ln>
                   <a:noFill/>
                 </a:ln>
@@ -47855,7 +47366,7 @@
               <a:defRPr/>
             </a:pPr>
             <a:r>
-              <a:rPr kumimoji="0" lang="en-US" sz="1800" b="0" i="0" u="none" strike="noStrike" kern="1200" cap="none" spc="0" normalizeH="0" baseline="0" noProof="0" dirty="0" smtClean="0">
+              <a:rPr kumimoji="0" lang="en-US" sz="1800" b="0" i="0" u="none" strike="noStrike" kern="1200" cap="none" spc="0" normalizeH="0" baseline="0" noProof="0" dirty="0">
                 <a:ln>
                   <a:noFill/>
                 </a:ln>
@@ -47874,7 +47385,7 @@
               <a:t>Treated”</a:t>
             </a:r>
             <a:br>
-              <a:rPr kumimoji="0" lang="en-US" sz="1800" b="0" i="0" u="none" strike="noStrike" kern="1200" cap="none" spc="0" normalizeH="0" baseline="0" noProof="0" dirty="0" smtClean="0">
+              <a:rPr kumimoji="0" lang="en-US" sz="1800" b="0" i="0" u="none" strike="noStrike" kern="1200" cap="none" spc="0" normalizeH="0" baseline="0" noProof="0" dirty="0">
                 <a:ln>
                   <a:noFill/>
                 </a:ln>
@@ -47892,7 +47403,7 @@
               </a:rPr>
             </a:br>
             <a:r>
-              <a:rPr kumimoji="0" lang="en-US" sz="1800" b="0" i="0" u="none" strike="noStrike" kern="1200" cap="none" spc="0" normalizeH="0" baseline="0" noProof="0" dirty="0" smtClean="0">
+              <a:rPr kumimoji="0" lang="en-US" sz="1800" b="0" i="0" u="none" strike="noStrike" kern="1200" cap="none" spc="0" normalizeH="0" baseline="0" noProof="0" dirty="0">
                 <a:ln>
                   <a:noFill/>
                 </a:ln>
@@ -47910,22 +47421,6 @@
               </a:rPr>
               <a:t>Estimate</a:t>
             </a:r>
-            <a:endParaRPr kumimoji="0" lang="en-US" sz="1800" b="0" i="0" u="none" strike="noStrike" kern="1200" cap="none" spc="0" normalizeH="0" baseline="0" noProof="0" dirty="0">
-              <a:ln>
-                <a:noFill/>
-              </a:ln>
-              <a:solidFill>
-                <a:srgbClr val="9BBB59">
-                  <a:lumMod val="75000"/>
-                </a:srgbClr>
-              </a:solidFill>
-              <a:effectLst/>
-              <a:uLnTx/>
-              <a:uFillTx/>
-              <a:latin typeface="Calibri"/>
-              <a:ea typeface="+mn-ea"/>
-              <a:cs typeface="+mn-cs"/>
-            </a:endParaRPr>
           </a:p>
         </p:txBody>
       </p:sp>
@@ -47969,7 +47464,7 @@
               <a:defRPr/>
             </a:pPr>
             <a:r>
-              <a:rPr kumimoji="0" lang="en-US" sz="1800" b="0" i="0" u="none" strike="noStrike" kern="1200" cap="none" spc="0" normalizeH="0" baseline="0" noProof="0" dirty="0" smtClean="0">
+              <a:rPr kumimoji="0" lang="en-US" sz="1800" b="0" i="0" u="none" strike="noStrike" kern="1200" cap="none" spc="0" normalizeH="0" baseline="0" noProof="0" dirty="0">
                 <a:ln>
                   <a:noFill/>
                 </a:ln>
@@ -48005,7 +47500,7 @@
               <a:defRPr/>
             </a:pPr>
             <a:r>
-              <a:rPr kumimoji="0" lang="en-US" sz="1800" b="0" i="0" u="none" strike="noStrike" kern="1200" cap="none" spc="0" normalizeH="0" baseline="0" noProof="0" dirty="0" smtClean="0">
+              <a:rPr kumimoji="0" lang="en-US" sz="1800" b="0" i="0" u="none" strike="noStrike" kern="1200" cap="none" spc="0" normalizeH="0" baseline="0" noProof="0" dirty="0">
                 <a:ln>
                   <a:noFill/>
                 </a:ln>
@@ -48022,7 +47517,7 @@
               <a:t>to Treat”</a:t>
             </a:r>
             <a:br>
-              <a:rPr kumimoji="0" lang="en-US" sz="1800" b="0" i="0" u="none" strike="noStrike" kern="1200" cap="none" spc="0" normalizeH="0" baseline="0" noProof="0" dirty="0" smtClean="0">
+              <a:rPr kumimoji="0" lang="en-US" sz="1800" b="0" i="0" u="none" strike="noStrike" kern="1200" cap="none" spc="0" normalizeH="0" baseline="0" noProof="0" dirty="0">
                 <a:ln>
                   <a:noFill/>
                 </a:ln>
@@ -48038,7 +47533,7 @@
               </a:rPr>
             </a:br>
             <a:r>
-              <a:rPr kumimoji="0" lang="en-US" sz="1800" b="0" i="0" u="none" strike="noStrike" kern="1200" cap="none" spc="0" normalizeH="0" baseline="0" noProof="0" dirty="0" smtClean="0">
+              <a:rPr kumimoji="0" lang="en-US" sz="1800" b="0" i="0" u="none" strike="noStrike" kern="1200" cap="none" spc="0" normalizeH="0" baseline="0" noProof="0" dirty="0">
                 <a:ln>
                   <a:noFill/>
                 </a:ln>
@@ -48054,20 +47549,6 @@
               </a:rPr>
               <a:t>Estimate</a:t>
             </a:r>
-            <a:endParaRPr kumimoji="0" lang="en-US" sz="1800" b="0" i="0" u="none" strike="noStrike" kern="1200" cap="none" spc="0" normalizeH="0" baseline="0" noProof="0" dirty="0">
-              <a:ln>
-                <a:noFill/>
-              </a:ln>
-              <a:solidFill>
-                <a:srgbClr val="4F81BD"/>
-              </a:solidFill>
-              <a:effectLst/>
-              <a:uLnTx/>
-              <a:uFillTx/>
-              <a:latin typeface="Calibri"/>
-              <a:ea typeface="+mn-ea"/>
-              <a:cs typeface="+mn-cs"/>
-            </a:endParaRPr>
           </a:p>
         </p:txBody>
       </p:sp>
@@ -48111,7 +47592,7 @@
               <a:defRPr/>
             </a:pPr>
             <a:r>
-              <a:rPr kumimoji="0" lang="en-US" sz="1800" b="0" i="0" u="none" strike="noStrike" kern="1200" cap="none" spc="0" normalizeH="0" baseline="0" noProof="0" dirty="0" smtClean="0">
+              <a:rPr kumimoji="0" lang="en-US" sz="1800" b="0" i="0" u="none" strike="noStrike" kern="1200" cap="none" spc="0" normalizeH="0" baseline="0" noProof="0" dirty="0">
                 <a:ln>
                   <a:noFill/>
                 </a:ln>
@@ -48128,7 +47609,7 @@
               <a:t>These two measures are </a:t>
             </a:r>
             <a:r>
-              <a:rPr kumimoji="0" lang="en-US" sz="1800" b="1" i="0" u="none" strike="noStrike" kern="1200" cap="none" spc="0" normalizeH="0" baseline="0" noProof="0" dirty="0" smtClean="0">
+              <a:rPr kumimoji="0" lang="en-US" sz="1800" b="1" i="0" u="none" strike="noStrike" kern="1200" cap="none" spc="0" normalizeH="0" baseline="0" noProof="0" dirty="0">
                 <a:ln>
                   <a:noFill/>
                 </a:ln>
@@ -48147,7 +47628,7 @@
               <a:t>NOT</a:t>
             </a:r>
             <a:r>
-              <a:rPr kumimoji="0" lang="en-US" sz="1800" b="0" i="0" u="none" strike="noStrike" kern="1200" cap="none" spc="0" normalizeH="0" baseline="0" noProof="0" dirty="0" smtClean="0">
+              <a:rPr kumimoji="0" lang="en-US" sz="1800" b="0" i="0" u="none" strike="noStrike" kern="1200" cap="none" spc="0" normalizeH="0" baseline="0" noProof="0" dirty="0">
                 <a:ln>
                   <a:noFill/>
                 </a:ln>
@@ -48182,7 +47663,7 @@
               <a:tabLst/>
               <a:defRPr/>
             </a:pPr>
-            <a:endParaRPr kumimoji="0" lang="en-US" sz="1800" b="0" i="0" u="none" strike="noStrike" kern="1200" cap="none" spc="0" normalizeH="0" baseline="0" noProof="0" dirty="0" smtClean="0">
+            <a:endParaRPr kumimoji="0" lang="en-US" sz="1800" b="0" i="0" u="none" strike="noStrike" kern="1200" cap="none" spc="0" normalizeH="0" baseline="0" noProof="0" dirty="0">
               <a:ln>
                 <a:noFill/>
               </a:ln>
@@ -48216,7 +47697,7 @@
               <a:defRPr/>
             </a:pPr>
             <a:r>
-              <a:rPr kumimoji="0" lang="en-US" sz="1800" b="0" i="0" u="none" strike="noStrike" kern="1200" cap="none" spc="0" normalizeH="0" baseline="0" noProof="0" dirty="0" smtClean="0">
+              <a:rPr kumimoji="0" lang="en-US" sz="1800" b="0" i="0" u="none" strike="noStrike" kern="1200" cap="none" spc="0" normalizeH="0" baseline="0" noProof="0" dirty="0">
                 <a:ln>
                   <a:noFill/>
                 </a:ln>
@@ -48233,7 +47714,7 @@
               <a:t>They are about </a:t>
             </a:r>
             <a:r>
-              <a:rPr kumimoji="0" lang="en-US" sz="1800" b="1" i="0" u="none" strike="noStrike" kern="1200" cap="none" spc="0" normalizeH="0" baseline="0" noProof="0" dirty="0" smtClean="0">
+              <a:rPr kumimoji="0" lang="en-US" sz="1800" b="1" i="0" u="none" strike="noStrike" kern="1200" cap="none" spc="0" normalizeH="0" baseline="0" noProof="0" dirty="0">
                 <a:ln>
                   <a:noFill/>
                 </a:ln>
@@ -48252,7 +47733,7 @@
               <a:t>refusing the treatment</a:t>
             </a:r>
             <a:r>
-              <a:rPr kumimoji="0" lang="en-US" sz="1800" b="0" i="0" u="none" strike="noStrike" kern="1200" cap="none" spc="0" normalizeH="0" baseline="0" noProof="0" dirty="0" smtClean="0">
+              <a:rPr kumimoji="0" lang="en-US" sz="1800" b="0" i="0" u="none" strike="noStrike" kern="1200" cap="none" spc="0" normalizeH="0" baseline="0" noProof="0" dirty="0">
                 <a:ln>
                   <a:noFill/>
                 </a:ln>
@@ -48271,7 +47752,7 @@
               <a:t>, </a:t>
             </a:r>
             <a:r>
-              <a:rPr kumimoji="0" lang="en-US" sz="1800" b="0" i="0" u="none" strike="noStrike" kern="1200" cap="none" spc="0" normalizeH="0" baseline="0" noProof="0" dirty="0" smtClean="0">
+              <a:rPr kumimoji="0" lang="en-US" sz="1800" b="0" i="0" u="none" strike="noStrike" kern="1200" cap="none" spc="0" normalizeH="0" baseline="0" noProof="0" dirty="0">
                 <a:ln>
                   <a:noFill/>
                 </a:ln>
@@ -48288,7 +47769,7 @@
               <a:t>or failing to follow the properly-prescribed</a:t>
             </a:r>
             <a:r>
-              <a:rPr kumimoji="0" lang="en-US" sz="1800" b="0" i="0" u="none" strike="noStrike" kern="1200" cap="none" spc="0" normalizeH="0" noProof="0" dirty="0" smtClean="0">
+              <a:rPr kumimoji="0" lang="en-US" sz="1800" b="0" i="0" u="none" strike="noStrike" kern="1200" cap="none" spc="0" normalizeH="0" noProof="0" dirty="0">
                 <a:ln>
                   <a:noFill/>
                 </a:ln>
@@ -48351,7 +47832,7 @@
               <a:defRPr/>
             </a:pPr>
             <a:r>
-              <a:rPr lang="en-US" b="1" noProof="0" dirty="0" smtClean="0">
+              <a:rPr lang="en-US" b="1" noProof="0" dirty="0">
                 <a:solidFill>
                   <a:schemeClr val="tx2">
                     <a:lumMod val="75000"/>
@@ -48362,7 +47843,7 @@
               <a:t>Non-compliance means participants refuse to receive or comply with the treatment. </a:t>
             </a:r>
             <a:r>
-              <a:rPr lang="en-US" noProof="0" dirty="0" smtClean="0">
+              <a:rPr lang="en-US" noProof="0" dirty="0">
                 <a:solidFill>
                   <a:prstClr val="black"/>
                 </a:solidFill>
@@ -48371,7 +47852,7 @@
               <a:t>But they do not refuse to participate in the study – </a:t>
             </a:r>
             <a:r>
-              <a:rPr lang="en-US" b="1" noProof="0" dirty="0" smtClean="0">
+              <a:rPr lang="en-US" b="1" noProof="0" dirty="0">
                 <a:solidFill>
                   <a:schemeClr val="tx2">
                     <a:lumMod val="75000"/>
@@ -48434,7 +47915,7 @@
               <a:defRPr/>
             </a:pPr>
             <a:r>
-              <a:rPr lang="en-US" noProof="0" dirty="0" smtClean="0">
+              <a:rPr lang="en-US" noProof="0" dirty="0">
                 <a:solidFill>
                   <a:prstClr val="black"/>
                 </a:solidFill>
@@ -48443,7 +47924,7 @@
               <a:t>Attrition means people left the study. You can accept the treatment and still </a:t>
             </a:r>
             <a:r>
-              <a:rPr lang="en-US" noProof="0" dirty="0" err="1" smtClean="0">
+              <a:rPr lang="en-US" noProof="0" dirty="0" err="1">
                 <a:solidFill>
                   <a:prstClr val="black"/>
                 </a:solidFill>
@@ -48452,7 +47933,7 @@
               <a:t>attrit</a:t>
             </a:r>
             <a:r>
-              <a:rPr lang="en-US" noProof="0" dirty="0" smtClean="0">
+              <a:rPr lang="en-US" noProof="0" dirty="0">
                 <a:solidFill>
                   <a:prstClr val="black"/>
                 </a:solidFill>
@@ -48461,7 +47942,7 @@
               <a:t>. </a:t>
             </a:r>
             <a:r>
-              <a:rPr lang="en-US" dirty="0" smtClean="0">
+              <a:rPr lang="en-US" dirty="0">
                 <a:solidFill>
                   <a:prstClr val="black"/>
                 </a:solidFill>
@@ -48470,7 +47951,7 @@
               <a:t>Or you can refuse treatment and refuse participation. Either way, </a:t>
             </a:r>
             <a:r>
-              <a:rPr lang="en-US" b="1" dirty="0" smtClean="0">
+              <a:rPr lang="en-US" b="1" dirty="0">
                 <a:solidFill>
                   <a:schemeClr val="tx2">
                     <a:lumMod val="75000"/>
@@ -48481,7 +47962,7 @@
               <a:t>attrition means we can’t measure the outcome in the post-treatment study period</a:t>
             </a:r>
             <a:r>
-              <a:rPr lang="en-US" dirty="0" smtClean="0">
+              <a:rPr lang="en-US" dirty="0">
                 <a:solidFill>
                   <a:schemeClr val="tx2">
                     <a:lumMod val="75000"/>

--- a/lectures/p-02-tests-for-cf-validity.pptx
+++ b/lectures/p-02-tests-for-cf-validity.pptx
@@ -32811,14 +32811,14 @@
         </p:nvSpPr>
         <p:spPr>
           <a:xfrm rot="1825707">
-            <a:off x="2560949" y="3085051"/>
-            <a:ext cx="1692269" cy="1485319"/>
+            <a:off x="2553478" y="3016715"/>
+            <a:ext cx="1692269" cy="1746720"/>
           </a:xfrm>
           <a:noFill/>
         </p:spPr>
         <p:txBody>
           <a:bodyPr vert="horz" lIns="91440" tIns="45720" rIns="91440" bIns="45720" rtlCol="0">
-            <a:normAutofit fontScale="92500" lnSpcReduction="20000"/>
+            <a:normAutofit fontScale="92500"/>
           </a:bodyPr>
           <a:lstStyle/>
           <a:p>
@@ -32836,7 +32836,22 @@
                   <a:srgbClr val="EFBA16"/>
                 </a:solidFill>
               </a:rPr>
-              <a:t>Clap your hands if your treatment and control groups have no significant  contrasts of measured participant characteristics</a:t>
+              <a:t>Clap your hands if your treatment and control groups have no significant  contrasts of measured participant </a:t>
+            </a:r>
+            <a:br>
+              <a:rPr lang="en-US" sz="1600" dirty="0">
+                <a:solidFill>
+                  <a:srgbClr val="EFBA16"/>
+                </a:solidFill>
+              </a:rPr>
+            </a:br>
+            <a:r>
+              <a:rPr lang="en-US" sz="1600" dirty="0">
+                <a:solidFill>
+                  <a:srgbClr val="EFBA16"/>
+                </a:solidFill>
+              </a:rPr>
+              <a:t>traits</a:t>
             </a:r>
           </a:p>
         </p:txBody>
